--- a/Recitation1/00-readme.pptx
+++ b/Recitation1/00-readme.pptx
@@ -29,7 +29,7 @@
   <p:sldSz cx="9144000" cy="6858000" type="screen4x3"/>
   <p:notesSz cx="7302500" cy="9586913"/>
   <p:custDataLst>
-    <p:tags r:id="rId19"/>
+    <p:tags r:id="rId18"/>
   </p:custDataLst>
   <p:defaultTextStyle>
     <a:defPPr>
@@ -156,13 +156,32 @@
       </a:defRPr>
     </a:lvl9pPr>
   </p:defaultTextStyle>
+  <p:extLst>
+    <p:ext uri="{EFAFB233-063F-42B5-8137-9DF3F51BA10A}">
+      <p15:sldGuideLst xmlns:p15="http://schemas.microsoft.com/office/powerpoint/2012/main">
+        <p15:guide id="1" orient="horz" pos="2208">
+          <p15:clr>
+            <a:srgbClr val="A4A3A4"/>
+          </p15:clr>
+        </p15:guide>
+        <p15:guide id="2" pos="2880">
+          <p15:clr>
+            <a:srgbClr val="A4A3A4"/>
+          </p15:clr>
+        </p15:guide>
+      </p15:sldGuideLst>
+    </p:ext>
+    <p:ext uri="{2D200454-40CA-4A62-9FC3-DE9A4176ACB9}">
+      <p15:notesGuideLst xmlns:p15="http://schemas.microsoft.com/office/powerpoint/2012/main"/>
+    </p:ext>
+  </p:extLst>
 </p:presentation>
 </file>
 
 <file path=ppt/charts/chart1.xml><?xml version="1.0" encoding="utf-8"?>
-<c:chartSpace xmlns:c="http://schemas.openxmlformats.org/drawingml/2006/chart" xmlns:a="http://schemas.openxmlformats.org/drawingml/2006/main" xmlns:r="http://schemas.openxmlformats.org/officeDocument/2006/relationships">
+<c:chartSpace xmlns:c="http://schemas.openxmlformats.org/drawingml/2006/chart" xmlns:a="http://schemas.openxmlformats.org/drawingml/2006/main" xmlns:r="http://schemas.openxmlformats.org/officeDocument/2006/relationships" xmlns:c16r2="http://schemas.microsoft.com/office/drawing/2015/06/chart">
   <c:date1904 val="0"/>
-  <c:lang val="en-US"/>
+  <c:lang val="zh-CN"/>
   <c:roundedCorners val="0"/>
   <mc:AlternateContent xmlns:mc="http://schemas.openxmlformats.org/markup-compatibility/2006">
     <mc:Choice xmlns:c14="http://schemas.microsoft.com/office/drawing/2007/8/2/chart" Requires="c14">
@@ -181,8 +200,8 @@
           <c:xMode val="edge"/>
           <c:yMode val="edge"/>
           <c:x val="0.198573127229489"/>
-          <c:y val="0.0911392405063291"/>
-          <c:w val="0.789536266349584"/>
+          <c:y val="9.11392405063291E-2"/>
+          <c:w val="0.78953626634958396"/>
           <c:h val="0.658227848101266"/>
         </c:manualLayout>
       </c:layout>
@@ -260,19 +279,19 @@
                 <c:formatCode>General</c:formatCode>
                 <c:ptCount val="11"/>
                 <c:pt idx="0">
-                  <c:v>0.000266000000000001</c:v>
+                  <c:v>2.6600000000000099E-4</c:v>
                 </c:pt>
                 <c:pt idx="1">
-                  <c:v>0.001033</c:v>
+                  <c:v>1.0330000000000001E-3</c:v>
                 </c:pt>
                 <c:pt idx="2">
-                  <c:v>0.004066</c:v>
+                  <c:v>4.0660000000000002E-3</c:v>
                 </c:pt>
                 <c:pt idx="3">
-                  <c:v>0.016678</c:v>
+                  <c:v>1.6677999999999998E-2</c:v>
                 </c:pt>
                 <c:pt idx="4">
-                  <c:v>0.067395</c:v>
+                  <c:v>6.7394999999999997E-2</c:v>
                 </c:pt>
                 <c:pt idx="5">
                   <c:v>0.270874000000001</c:v>
@@ -281,20 +300,25 @@
                   <c:v>1.082465</c:v>
                 </c:pt>
                 <c:pt idx="7">
-                  <c:v>4.964538999999977</c:v>
+                  <c:v>4.9645389999999772</c:v>
                 </c:pt>
                 <c:pt idx="8">
-                  <c:v>20.063251</c:v>
+                  <c:v>20.063251000000001</c:v>
                 </c:pt>
                 <c:pt idx="9">
-                  <c:v>80.14279199999976</c:v>
+                  <c:v>80.142791999999758</c:v>
                 </c:pt>
                 <c:pt idx="10">
-                  <c:v>341.595631</c:v>
+                  <c:v>341.59563100000003</c:v>
                 </c:pt>
               </c:numCache>
             </c:numRef>
           </c:val>
+          <c:extLst>
+            <c:ext xmlns:c16="http://schemas.microsoft.com/office/drawing/2014/chart" uri="{C3380CC4-5D6E-409C-BE32-E72D297353CC}">
+              <c16:uniqueId val="{00000000-3858-496C-8B4F-B8F1C6D2FFD8}"/>
+            </c:ext>
+          </c:extLst>
         </c:ser>
         <c:ser>
           <c:idx val="1"/>
@@ -367,41 +391,46 @@
                 <c:formatCode>General</c:formatCode>
                 <c:ptCount val="11"/>
                 <c:pt idx="0">
-                  <c:v>6.00000000000003E-6</c:v>
+                  <c:v>6.0000000000000298E-6</c:v>
                 </c:pt>
                 <c:pt idx="1">
                   <c:v>1.2E-5</c:v>
                 </c:pt>
                 <c:pt idx="2">
-                  <c:v>2.40000000000001E-5</c:v>
+                  <c:v>2.4000000000000099E-5</c:v>
                 </c:pt>
                 <c:pt idx="3">
-                  <c:v>4.80000000000002E-5</c:v>
+                  <c:v>4.8000000000000198E-5</c:v>
                 </c:pt>
                 <c:pt idx="4">
-                  <c:v>9.50000000000004E-5</c:v>
+                  <c:v>9.5000000000000398E-5</c:v>
                 </c:pt>
                 <c:pt idx="5">
-                  <c:v>0.000191000000000001</c:v>
+                  <c:v>1.9100000000000101E-4</c:v>
                 </c:pt>
                 <c:pt idx="6">
-                  <c:v>0.000382000000000001</c:v>
+                  <c:v>3.8200000000000099E-4</c:v>
                 </c:pt>
                 <c:pt idx="7">
-                  <c:v>0.000808000000000001</c:v>
+                  <c:v>8.0800000000000099E-4</c:v>
                 </c:pt>
                 <c:pt idx="8">
-                  <c:v>0.001615</c:v>
+                  <c:v>1.6149999999999999E-3</c:v>
                 </c:pt>
                 <c:pt idx="9">
-                  <c:v>0.00322900000000001</c:v>
+                  <c:v>3.2290000000000101E-3</c:v>
                 </c:pt>
                 <c:pt idx="10">
-                  <c:v>0.006694</c:v>
+                  <c:v>6.6940000000000003E-3</c:v>
                 </c:pt>
               </c:numCache>
             </c:numRef>
           </c:val>
+          <c:extLst>
+            <c:ext xmlns:c16="http://schemas.microsoft.com/office/drawing/2014/chart" uri="{C3380CC4-5D6E-409C-BE32-E72D297353CC}">
+              <c16:uniqueId val="{00000001-3858-496C-8B4F-B8F1C6D2FFD8}"/>
+            </c:ext>
+          </c:extLst>
         </c:ser>
         <c:dLbls>
           <c:showLegendKey val="0"/>
@@ -435,11 +464,11 @@
                 <a:latin typeface="Calibri" pitchFamily="34" charset="0"/>
               </a:defRPr>
             </a:pPr>
-            <a:endParaRPr lang="en-US"/>
+            <a:endParaRPr lang="zh-CN"/>
           </a:p>
         </c:txPr>
         <c:crossAx val="-2084456680"/>
-        <c:crossesAt val="1.00000000000001E-6"/>
+        <c:crossesAt val="1.0000000000000099E-6"/>
         <c:auto val="1"/>
         <c:lblAlgn val="ctr"/>
         <c:lblOffset val="100"/>
@@ -450,7 +479,7 @@
       <c:valAx>
         <c:axId val="-2084456680"/>
         <c:scaling>
-          <c:logBase val="10.0"/>
+          <c:logBase val="10"/>
           <c:orientation val="minMax"/>
         </c:scaling>
         <c:delete val="0"/>
@@ -474,7 +503,7 @@
                 <a:latin typeface="Calibri" pitchFamily="34" charset="0"/>
               </a:defRPr>
             </a:pPr>
-            <a:endParaRPr lang="en-US"/>
+            <a:endParaRPr lang="zh-CN"/>
           </a:p>
         </c:txPr>
         <c:crossAx val="-2084464504"/>
@@ -495,7 +524,7 @@
                 <a:latin typeface="Calibri" pitchFamily="34" charset="0"/>
               </a:defRPr>
             </a:pPr>
-            <a:endParaRPr lang="en-US"/>
+            <a:endParaRPr lang="zh-CN"/>
           </a:p>
         </c:txPr>
       </c:legendEntry>
@@ -510,7 +539,7 @@
                 <a:latin typeface="Calibri" pitchFamily="34" charset="0"/>
               </a:defRPr>
             </a:pPr>
-            <a:endParaRPr lang="en-US"/>
+            <a:endParaRPr lang="zh-CN"/>
           </a:p>
         </c:txPr>
       </c:legendEntry>
@@ -518,10 +547,10 @@
         <c:manualLayout>
           <c:xMode val="edge"/>
           <c:yMode val="edge"/>
-          <c:x val="0.197239477296743"/>
-          <c:y val="0.155887030013669"/>
-          <c:w val="0.25089179548157"/>
-          <c:h val="0.0987341772151901"/>
+          <c:x val="0.19723947729674299"/>
+          <c:y val="0.15588703001366899"/>
+          <c:w val="0.25089179548156998"/>
+          <c:h val="9.8734177215190094E-2"/>
         </c:manualLayout>
       </c:layout>
       <c:overlay val="0"/>
@@ -534,7 +563,7 @@
               <a:latin typeface="Calibri" pitchFamily="34" charset="0"/>
             </a:defRPr>
           </a:pPr>
-          <a:endParaRPr lang="en-US"/>
+          <a:endParaRPr lang="zh-CN"/>
         </a:p>
       </c:txPr>
     </c:legend>
@@ -549,7 +578,7 @@
       <a:pPr>
         <a:defRPr sz="1800"/>
       </a:pPr>
-      <a:endParaRPr lang="en-US"/>
+      <a:endParaRPr lang="zh-CN"/>
     </a:p>
   </c:txPr>
   <c:externalData r:id="rId1">
@@ -987,35 +1016,35 @@
           <a:p>
             <a:pPr lvl="0"/>
             <a:r>
-              <a:rPr lang="en-US" noProof="0" smtClean="0"/>
+              <a:rPr lang="en-US" noProof="0"/>
               <a:t>Click to edit Master text styles</a:t>
             </a:r>
           </a:p>
           <a:p>
             <a:pPr lvl="1"/>
             <a:r>
-              <a:rPr lang="en-US" noProof="0" smtClean="0"/>
+              <a:rPr lang="en-US" noProof="0"/>
               <a:t>Second level</a:t>
             </a:r>
           </a:p>
           <a:p>
             <a:pPr lvl="2"/>
             <a:r>
-              <a:rPr lang="en-US" noProof="0" smtClean="0"/>
+              <a:rPr lang="en-US" noProof="0"/>
               <a:t>Third level</a:t>
             </a:r>
           </a:p>
           <a:p>
             <a:pPr lvl="3"/>
             <a:r>
-              <a:rPr lang="en-US" noProof="0" smtClean="0"/>
+              <a:rPr lang="en-US" noProof="0"/>
               <a:t>Fourth level</a:t>
             </a:r>
           </a:p>
           <a:p>
             <a:pPr lvl="4"/>
             <a:r>
-              <a:rPr lang="en-US" noProof="0" smtClean="0"/>
+              <a:rPr lang="en-US" noProof="0"/>
               <a:t>Fifth level</a:t>
             </a:r>
           </a:p>
@@ -1306,7 +1335,7 @@
           <a:bodyPr/>
           <a:lstStyle/>
           <a:p>
-            <a:endParaRPr lang="en-US" dirty="0" smtClean="0"/>
+            <a:endParaRPr lang="en-US" dirty="0"/>
           </a:p>
         </p:txBody>
       </p:sp>
@@ -1393,7 +1422,7 @@
           <a:bodyPr/>
           <a:lstStyle/>
           <a:p>
-            <a:endParaRPr lang="en-US" dirty="0" smtClean="0"/>
+            <a:endParaRPr lang="en-US" dirty="0"/>
           </a:p>
         </p:txBody>
       </p:sp>
@@ -1665,10 +1694,9 @@
           </a:lstStyle>
           <a:p>
             <a:r>
-              <a:rPr lang="en-US" dirty="0" smtClean="0"/>
+              <a:rPr lang="en-US" dirty="0"/>
               <a:t>Click to edit Master title style</a:t>
             </a:r>
-            <a:endParaRPr lang="en-US" dirty="0"/>
           </a:p>
         </p:txBody>
       </p:sp>
@@ -1732,10 +1760,9 @@
           </a:lstStyle>
           <a:p>
             <a:r>
-              <a:rPr lang="en-US" dirty="0" smtClean="0"/>
+              <a:rPr lang="en-US" dirty="0"/>
               <a:t>Click to edit Master subtitle style</a:t>
             </a:r>
-            <a:endParaRPr lang="en-US" dirty="0"/>
           </a:p>
         </p:txBody>
       </p:sp>
@@ -1744,13 +1771,6 @@
   <p:clrMapOvr>
     <a:masterClrMapping/>
   </p:clrMapOvr>
-  <p:timing>
-    <p:tnLst>
-      <p:par>
-        <p:cTn xmlns:p14="http://schemas.microsoft.com/office/powerpoint/2010/main" id="1" dur="indefinite" restart="never" nodeType="tmRoot"/>
-      </p:par>
-    </p:tnLst>
-  </p:timing>
 </p:sldLayout>
 </file>
 
@@ -1793,10 +1813,9 @@
           </a:lstStyle>
           <a:p>
             <a:r>
-              <a:rPr lang="en-US" dirty="0" smtClean="0"/>
+              <a:rPr lang="en-US" dirty="0"/>
               <a:t>Click to edit Master title style</a:t>
             </a:r>
-            <a:endParaRPr lang="en-US" dirty="0"/>
           </a:p>
         </p:txBody>
       </p:sp>
@@ -1843,38 +1862,37 @@
           <a:p>
             <a:pPr lvl="0"/>
             <a:r>
-              <a:rPr lang="en-US" dirty="0" smtClean="0"/>
+              <a:rPr lang="en-US" dirty="0"/>
               <a:t>Click to edit Master text styles</a:t>
             </a:r>
           </a:p>
           <a:p>
             <a:pPr lvl="1"/>
             <a:r>
-              <a:rPr lang="en-US" dirty="0" smtClean="0"/>
+              <a:rPr lang="en-US" dirty="0"/>
               <a:t>Second level</a:t>
             </a:r>
           </a:p>
           <a:p>
             <a:pPr lvl="2"/>
             <a:r>
-              <a:rPr lang="en-US" dirty="0" smtClean="0"/>
+              <a:rPr lang="en-US" dirty="0"/>
               <a:t>Third level</a:t>
             </a:r>
           </a:p>
           <a:p>
             <a:pPr lvl="3"/>
             <a:r>
-              <a:rPr lang="en-US" dirty="0" smtClean="0"/>
+              <a:rPr lang="en-US" dirty="0"/>
               <a:t>Fourth level</a:t>
             </a:r>
           </a:p>
           <a:p>
             <a:pPr lvl="4"/>
             <a:r>
-              <a:rPr lang="en-US" dirty="0" smtClean="0"/>
+              <a:rPr lang="en-US" dirty="0"/>
               <a:t>Fifth level</a:t>
             </a:r>
-            <a:endParaRPr lang="en-US" dirty="0"/>
           </a:p>
         </p:txBody>
       </p:sp>
@@ -1930,10 +1948,9 @@
           </a:lstStyle>
           <a:p>
             <a:r>
-              <a:rPr lang="en-US" dirty="0" smtClean="0"/>
+              <a:rPr lang="en-US" dirty="0"/>
               <a:t>Click to edit Master title style</a:t>
             </a:r>
-            <a:endParaRPr lang="en-US" dirty="0"/>
           </a:p>
         </p:txBody>
       </p:sp>
@@ -1985,38 +2002,37 @@
           <a:p>
             <a:pPr lvl="0"/>
             <a:r>
-              <a:rPr lang="en-US" dirty="0" smtClean="0"/>
+              <a:rPr lang="en-US" dirty="0"/>
               <a:t>Click to edit Master text styles</a:t>
             </a:r>
           </a:p>
           <a:p>
             <a:pPr lvl="1"/>
             <a:r>
-              <a:rPr lang="en-US" dirty="0" smtClean="0"/>
+              <a:rPr lang="en-US" dirty="0"/>
               <a:t>Second level</a:t>
             </a:r>
           </a:p>
           <a:p>
             <a:pPr lvl="2"/>
             <a:r>
-              <a:rPr lang="en-US" dirty="0" smtClean="0"/>
+              <a:rPr lang="en-US" dirty="0"/>
               <a:t>Third level</a:t>
             </a:r>
           </a:p>
           <a:p>
             <a:pPr lvl="3"/>
             <a:r>
-              <a:rPr lang="en-US" dirty="0" smtClean="0"/>
+              <a:rPr lang="en-US" dirty="0"/>
               <a:t>Fourth level</a:t>
             </a:r>
           </a:p>
           <a:p>
             <a:pPr lvl="4"/>
             <a:r>
-              <a:rPr lang="en-US" dirty="0" smtClean="0"/>
+              <a:rPr lang="en-US" dirty="0"/>
               <a:t>Fifth level</a:t>
             </a:r>
-            <a:endParaRPr lang="en-US" dirty="0"/>
           </a:p>
         </p:txBody>
       </p:sp>
@@ -2072,10 +2088,9 @@
           </a:lstStyle>
           <a:p>
             <a:r>
-              <a:rPr lang="en-US" dirty="0" smtClean="0"/>
+              <a:rPr lang="en-US" dirty="0"/>
               <a:t>Click to edit Master title style</a:t>
             </a:r>
-            <a:endParaRPr lang="en-US" dirty="0"/>
           </a:p>
         </p:txBody>
       </p:sp>
@@ -2127,38 +2142,37 @@
           <a:p>
             <a:pPr lvl="0"/>
             <a:r>
-              <a:rPr lang="en-US" dirty="0" smtClean="0"/>
+              <a:rPr lang="en-US" dirty="0"/>
               <a:t>Click to edit Master text styles</a:t>
             </a:r>
           </a:p>
           <a:p>
             <a:pPr lvl="1"/>
             <a:r>
-              <a:rPr lang="en-US" dirty="0" smtClean="0"/>
+              <a:rPr lang="en-US" dirty="0"/>
               <a:t>Second level</a:t>
             </a:r>
           </a:p>
           <a:p>
             <a:pPr lvl="2"/>
             <a:r>
-              <a:rPr lang="en-US" dirty="0" smtClean="0"/>
+              <a:rPr lang="en-US" dirty="0"/>
               <a:t>Third level</a:t>
             </a:r>
           </a:p>
           <a:p>
             <a:pPr lvl="3"/>
             <a:r>
-              <a:rPr lang="en-US" dirty="0" smtClean="0"/>
+              <a:rPr lang="en-US" dirty="0"/>
               <a:t>Fourth level</a:t>
             </a:r>
           </a:p>
           <a:p>
             <a:pPr lvl="4"/>
             <a:r>
-              <a:rPr lang="en-US" dirty="0" smtClean="0"/>
+              <a:rPr lang="en-US" dirty="0"/>
               <a:t>Fifth level</a:t>
             </a:r>
-            <a:endParaRPr lang="en-US" dirty="0"/>
           </a:p>
         </p:txBody>
       </p:sp>
@@ -2210,38 +2224,37 @@
           <a:p>
             <a:pPr lvl="0"/>
             <a:r>
-              <a:rPr lang="en-US" dirty="0" smtClean="0"/>
+              <a:rPr lang="en-US" dirty="0"/>
               <a:t>Click to edit Master text styles</a:t>
             </a:r>
           </a:p>
           <a:p>
             <a:pPr lvl="1"/>
             <a:r>
-              <a:rPr lang="en-US" dirty="0" smtClean="0"/>
+              <a:rPr lang="en-US" dirty="0"/>
               <a:t>Second level</a:t>
             </a:r>
           </a:p>
           <a:p>
             <a:pPr lvl="2"/>
             <a:r>
-              <a:rPr lang="en-US" dirty="0" smtClean="0"/>
+              <a:rPr lang="en-US" dirty="0"/>
               <a:t>Third level</a:t>
             </a:r>
           </a:p>
           <a:p>
             <a:pPr lvl="3"/>
             <a:r>
-              <a:rPr lang="en-US" dirty="0" smtClean="0"/>
+              <a:rPr lang="en-US" dirty="0"/>
               <a:t>Fourth level</a:t>
             </a:r>
           </a:p>
           <a:p>
             <a:pPr lvl="4"/>
             <a:r>
-              <a:rPr lang="en-US" dirty="0" smtClean="0"/>
+              <a:rPr lang="en-US" dirty="0"/>
               <a:t>Fifth level</a:t>
             </a:r>
-            <a:endParaRPr lang="en-US" dirty="0"/>
           </a:p>
         </p:txBody>
       </p:sp>
@@ -2293,38 +2306,37 @@
           <a:p>
             <a:pPr lvl="0"/>
             <a:r>
-              <a:rPr lang="en-US" dirty="0" smtClean="0"/>
+              <a:rPr lang="en-US" dirty="0"/>
               <a:t>Click to edit Master text styles</a:t>
             </a:r>
           </a:p>
           <a:p>
             <a:pPr lvl="1"/>
             <a:r>
-              <a:rPr lang="en-US" dirty="0" smtClean="0"/>
+              <a:rPr lang="en-US" dirty="0"/>
               <a:t>Second level</a:t>
             </a:r>
           </a:p>
           <a:p>
             <a:pPr lvl="2"/>
             <a:r>
-              <a:rPr lang="en-US" dirty="0" smtClean="0"/>
+              <a:rPr lang="en-US" dirty="0"/>
               <a:t>Third level</a:t>
             </a:r>
           </a:p>
           <a:p>
             <a:pPr lvl="3"/>
             <a:r>
-              <a:rPr lang="en-US" dirty="0" smtClean="0"/>
+              <a:rPr lang="en-US" dirty="0"/>
               <a:t>Fourth level</a:t>
             </a:r>
           </a:p>
           <a:p>
             <a:pPr lvl="4"/>
             <a:r>
-              <a:rPr lang="en-US" dirty="0" smtClean="0"/>
+              <a:rPr lang="en-US" dirty="0"/>
               <a:t>Fifth level</a:t>
             </a:r>
-            <a:endParaRPr lang="en-US" dirty="0"/>
           </a:p>
         </p:txBody>
       </p:sp>
@@ -2380,10 +2392,9 @@
           </a:lstStyle>
           <a:p>
             <a:r>
-              <a:rPr lang="en-US" dirty="0" smtClean="0"/>
+              <a:rPr lang="en-US" dirty="0"/>
               <a:t>Click to edit Master title style</a:t>
             </a:r>
-            <a:endParaRPr lang="en-US" dirty="0"/>
           </a:p>
         </p:txBody>
       </p:sp>
@@ -2435,38 +2446,37 @@
           <a:p>
             <a:pPr lvl="0"/>
             <a:r>
-              <a:rPr lang="en-US" dirty="0" smtClean="0"/>
+              <a:rPr lang="en-US" dirty="0"/>
               <a:t>Click to edit Master text styles</a:t>
             </a:r>
           </a:p>
           <a:p>
             <a:pPr lvl="1"/>
             <a:r>
-              <a:rPr lang="en-US" dirty="0" smtClean="0"/>
+              <a:rPr lang="en-US" dirty="0"/>
               <a:t>Second level</a:t>
             </a:r>
           </a:p>
           <a:p>
             <a:pPr lvl="2"/>
             <a:r>
-              <a:rPr lang="en-US" dirty="0" smtClean="0"/>
+              <a:rPr lang="en-US" dirty="0"/>
               <a:t>Third level</a:t>
             </a:r>
           </a:p>
           <a:p>
             <a:pPr lvl="3"/>
             <a:r>
-              <a:rPr lang="en-US" dirty="0" smtClean="0"/>
+              <a:rPr lang="en-US" dirty="0"/>
               <a:t>Fourth level</a:t>
             </a:r>
           </a:p>
           <a:p>
             <a:pPr lvl="4"/>
             <a:r>
-              <a:rPr lang="en-US" dirty="0" smtClean="0"/>
+              <a:rPr lang="en-US" dirty="0"/>
               <a:t>Fifth level</a:t>
             </a:r>
-            <a:endParaRPr lang="en-US" dirty="0"/>
           </a:p>
         </p:txBody>
       </p:sp>
@@ -2518,38 +2528,37 @@
           <a:p>
             <a:pPr lvl="0"/>
             <a:r>
-              <a:rPr lang="en-US" dirty="0" smtClean="0"/>
+              <a:rPr lang="en-US" dirty="0"/>
               <a:t>Click to edit Master text styles</a:t>
             </a:r>
           </a:p>
           <a:p>
             <a:pPr lvl="1"/>
             <a:r>
-              <a:rPr lang="en-US" dirty="0" smtClean="0"/>
+              <a:rPr lang="en-US" dirty="0"/>
               <a:t>Second level</a:t>
             </a:r>
           </a:p>
           <a:p>
             <a:pPr lvl="2"/>
             <a:r>
-              <a:rPr lang="en-US" dirty="0" smtClean="0"/>
+              <a:rPr lang="en-US" dirty="0"/>
               <a:t>Third level</a:t>
             </a:r>
           </a:p>
           <a:p>
             <a:pPr lvl="3"/>
             <a:r>
-              <a:rPr lang="en-US" dirty="0" smtClean="0"/>
+              <a:rPr lang="en-US" dirty="0"/>
               <a:t>Fourth level</a:t>
             </a:r>
           </a:p>
           <a:p>
             <a:pPr lvl="4"/>
             <a:r>
-              <a:rPr lang="en-US" dirty="0" smtClean="0"/>
+              <a:rPr lang="en-US" dirty="0"/>
               <a:t>Fifth level</a:t>
             </a:r>
-            <a:endParaRPr lang="en-US" dirty="0"/>
           </a:p>
         </p:txBody>
       </p:sp>
@@ -2605,10 +2614,9 @@
           </a:lstStyle>
           <a:p>
             <a:r>
-              <a:rPr lang="en-US" dirty="0" smtClean="0"/>
+              <a:rPr lang="en-US" dirty="0"/>
               <a:t>Click to edit Master title style</a:t>
             </a:r>
-            <a:endParaRPr lang="en-US" dirty="0"/>
           </a:p>
         </p:txBody>
       </p:sp>
@@ -2655,38 +2663,37 @@
           <a:p>
             <a:pPr lvl="0"/>
             <a:r>
-              <a:rPr lang="en-US" dirty="0" smtClean="0"/>
+              <a:rPr lang="en-US" dirty="0"/>
               <a:t>Click to edit Master text styles</a:t>
             </a:r>
           </a:p>
           <a:p>
             <a:pPr lvl="1"/>
             <a:r>
-              <a:rPr lang="en-US" dirty="0" smtClean="0"/>
+              <a:rPr lang="en-US" dirty="0"/>
               <a:t>Second level</a:t>
             </a:r>
           </a:p>
           <a:p>
             <a:pPr lvl="2"/>
             <a:r>
-              <a:rPr lang="en-US" dirty="0" smtClean="0"/>
+              <a:rPr lang="en-US" dirty="0"/>
               <a:t>Third level</a:t>
             </a:r>
           </a:p>
           <a:p>
             <a:pPr lvl="3"/>
             <a:r>
-              <a:rPr lang="en-US" dirty="0" smtClean="0"/>
+              <a:rPr lang="en-US" dirty="0"/>
               <a:t>Fourth level</a:t>
             </a:r>
           </a:p>
           <a:p>
             <a:pPr lvl="4"/>
             <a:r>
-              <a:rPr lang="en-US" dirty="0" smtClean="0"/>
+              <a:rPr lang="en-US" dirty="0"/>
               <a:t>Fifth level</a:t>
             </a:r>
-            <a:endParaRPr lang="en-US" dirty="0"/>
           </a:p>
         </p:txBody>
       </p:sp>
@@ -2695,13 +2702,6 @@
   <p:clrMapOvr>
     <a:masterClrMapping/>
   </p:clrMapOvr>
-  <p:timing>
-    <p:tnLst>
-      <p:par>
-        <p:cTn xmlns:p14="http://schemas.microsoft.com/office/powerpoint/2010/main" id="1" dur="indefinite" restart="never" nodeType="tmRoot"/>
-      </p:par>
-    </p:tnLst>
-  </p:timing>
 </p:sldLayout>
 </file>
 
@@ -2749,10 +2749,9 @@
           </a:lstStyle>
           <a:p>
             <a:r>
-              <a:rPr lang="en-US" dirty="0" smtClean="0"/>
+              <a:rPr lang="en-US" dirty="0"/>
               <a:t>Click to edit Master title style</a:t>
             </a:r>
-            <a:endParaRPr lang="en-US" dirty="0"/>
           </a:p>
         </p:txBody>
       </p:sp>
@@ -2817,7 +2816,7 @@
           <a:p>
             <a:pPr lvl="0"/>
             <a:r>
-              <a:rPr lang="en-US" dirty="0" smtClean="0"/>
+              <a:rPr lang="en-US" dirty="0"/>
               <a:t>Click to edit Master text styles</a:t>
             </a:r>
           </a:p>
@@ -2828,13 +2827,6 @@
   <p:clrMapOvr>
     <a:masterClrMapping/>
   </p:clrMapOvr>
-  <p:timing>
-    <p:tnLst>
-      <p:par>
-        <p:cTn xmlns:p14="http://schemas.microsoft.com/office/powerpoint/2010/main" id="1" dur="indefinite" restart="never" nodeType="tmRoot"/>
-      </p:par>
-    </p:tnLst>
-  </p:timing>
 </p:sldLayout>
 </file>
 
@@ -2877,10 +2869,9 @@
           </a:lstStyle>
           <a:p>
             <a:r>
-              <a:rPr lang="en-US" dirty="0" smtClean="0"/>
+              <a:rPr lang="en-US" dirty="0"/>
               <a:t>Click to edit Master title style</a:t>
             </a:r>
-            <a:endParaRPr lang="en-US" dirty="0"/>
           </a:p>
         </p:txBody>
       </p:sp>
@@ -2944,38 +2935,37 @@
           <a:p>
             <a:pPr lvl="0"/>
             <a:r>
-              <a:rPr lang="en-US" dirty="0" smtClean="0"/>
+              <a:rPr lang="en-US" dirty="0"/>
               <a:t>Click to edit Master text styles</a:t>
             </a:r>
           </a:p>
           <a:p>
             <a:pPr lvl="1"/>
             <a:r>
-              <a:rPr lang="en-US" dirty="0" smtClean="0"/>
+              <a:rPr lang="en-US" dirty="0"/>
               <a:t>Second level</a:t>
             </a:r>
           </a:p>
           <a:p>
             <a:pPr lvl="2"/>
             <a:r>
-              <a:rPr lang="en-US" dirty="0" smtClean="0"/>
+              <a:rPr lang="en-US" dirty="0"/>
               <a:t>Third level</a:t>
             </a:r>
           </a:p>
           <a:p>
             <a:pPr lvl="3"/>
             <a:r>
-              <a:rPr lang="en-US" dirty="0" smtClean="0"/>
+              <a:rPr lang="en-US" dirty="0"/>
               <a:t>Fourth level</a:t>
             </a:r>
           </a:p>
           <a:p>
             <a:pPr lvl="4"/>
             <a:r>
-              <a:rPr lang="en-US" dirty="0" smtClean="0"/>
+              <a:rPr lang="en-US" dirty="0"/>
               <a:t>Fifth level</a:t>
             </a:r>
-            <a:endParaRPr lang="en-US" dirty="0"/>
           </a:p>
         </p:txBody>
       </p:sp>
@@ -3039,38 +3029,37 @@
           <a:p>
             <a:pPr lvl="0"/>
             <a:r>
-              <a:rPr lang="en-US" dirty="0" smtClean="0"/>
+              <a:rPr lang="en-US" dirty="0"/>
               <a:t>Click to edit Master text styles</a:t>
             </a:r>
           </a:p>
           <a:p>
             <a:pPr lvl="1"/>
             <a:r>
-              <a:rPr lang="en-US" dirty="0" smtClean="0"/>
+              <a:rPr lang="en-US" dirty="0"/>
               <a:t>Second level</a:t>
             </a:r>
           </a:p>
           <a:p>
             <a:pPr lvl="2"/>
             <a:r>
-              <a:rPr lang="en-US" dirty="0" smtClean="0"/>
+              <a:rPr lang="en-US" dirty="0"/>
               <a:t>Third level</a:t>
             </a:r>
           </a:p>
           <a:p>
             <a:pPr lvl="3"/>
             <a:r>
-              <a:rPr lang="en-US" dirty="0" smtClean="0"/>
+              <a:rPr lang="en-US" dirty="0"/>
               <a:t>Fourth level</a:t>
             </a:r>
           </a:p>
           <a:p>
             <a:pPr lvl="4"/>
             <a:r>
-              <a:rPr lang="en-US" dirty="0" smtClean="0"/>
+              <a:rPr lang="en-US" dirty="0"/>
               <a:t>Fifth level</a:t>
             </a:r>
-            <a:endParaRPr lang="en-US" dirty="0"/>
           </a:p>
         </p:txBody>
       </p:sp>
@@ -3079,13 +3068,6 @@
   <p:clrMapOvr>
     <a:masterClrMapping/>
   </p:clrMapOvr>
-  <p:timing>
-    <p:tnLst>
-      <p:par>
-        <p:cTn xmlns:p14="http://schemas.microsoft.com/office/powerpoint/2010/main" id="1" dur="indefinite" restart="never" nodeType="tmRoot"/>
-      </p:par>
-    </p:tnLst>
-  </p:timing>
 </p:sldLayout>
 </file>
 
@@ -3133,10 +3115,9 @@
           </a:lstStyle>
           <a:p>
             <a:r>
-              <a:rPr lang="en-US" dirty="0" smtClean="0"/>
+              <a:rPr lang="en-US" dirty="0"/>
               <a:t>Click to edit Master title style</a:t>
             </a:r>
-            <a:endParaRPr lang="en-US" dirty="0"/>
           </a:p>
         </p:txBody>
       </p:sp>
@@ -3201,7 +3182,7 @@
           <a:p>
             <a:pPr lvl="0"/>
             <a:r>
-              <a:rPr lang="en-US" dirty="0" smtClean="0"/>
+              <a:rPr lang="en-US" dirty="0"/>
               <a:t>Click to edit Master text styles</a:t>
             </a:r>
           </a:p>
@@ -3267,38 +3248,37 @@
           <a:p>
             <a:pPr lvl="0"/>
             <a:r>
-              <a:rPr lang="en-US" dirty="0" smtClean="0"/>
+              <a:rPr lang="en-US" dirty="0"/>
               <a:t>Click to edit Master text styles</a:t>
             </a:r>
           </a:p>
           <a:p>
             <a:pPr lvl="1"/>
             <a:r>
-              <a:rPr lang="en-US" dirty="0" smtClean="0"/>
+              <a:rPr lang="en-US" dirty="0"/>
               <a:t>Second level</a:t>
             </a:r>
           </a:p>
           <a:p>
             <a:pPr lvl="2"/>
             <a:r>
-              <a:rPr lang="en-US" dirty="0" smtClean="0"/>
+              <a:rPr lang="en-US" dirty="0"/>
               <a:t>Third level</a:t>
             </a:r>
           </a:p>
           <a:p>
             <a:pPr lvl="3"/>
             <a:r>
-              <a:rPr lang="en-US" dirty="0" smtClean="0"/>
+              <a:rPr lang="en-US" dirty="0"/>
               <a:t>Fourth level</a:t>
             </a:r>
           </a:p>
           <a:p>
             <a:pPr lvl="4"/>
             <a:r>
-              <a:rPr lang="en-US" dirty="0" smtClean="0"/>
+              <a:rPr lang="en-US" dirty="0"/>
               <a:t>Fifth level</a:t>
             </a:r>
-            <a:endParaRPr lang="en-US" dirty="0"/>
           </a:p>
         </p:txBody>
       </p:sp>
@@ -3363,7 +3343,7 @@
           <a:p>
             <a:pPr lvl="0"/>
             <a:r>
-              <a:rPr lang="en-US" dirty="0" smtClean="0"/>
+              <a:rPr lang="en-US" dirty="0"/>
               <a:t>Click to edit Master text styles</a:t>
             </a:r>
           </a:p>
@@ -3429,38 +3409,37 @@
           <a:p>
             <a:pPr lvl="0"/>
             <a:r>
-              <a:rPr lang="en-US" dirty="0" smtClean="0"/>
+              <a:rPr lang="en-US" dirty="0"/>
               <a:t>Click to edit Master text styles</a:t>
             </a:r>
           </a:p>
           <a:p>
             <a:pPr lvl="1"/>
             <a:r>
-              <a:rPr lang="en-US" dirty="0" smtClean="0"/>
+              <a:rPr lang="en-US" dirty="0"/>
               <a:t>Second level</a:t>
             </a:r>
           </a:p>
           <a:p>
             <a:pPr lvl="2"/>
             <a:r>
-              <a:rPr lang="en-US" dirty="0" smtClean="0"/>
+              <a:rPr lang="en-US" dirty="0"/>
               <a:t>Third level</a:t>
             </a:r>
           </a:p>
           <a:p>
             <a:pPr lvl="3"/>
             <a:r>
-              <a:rPr lang="en-US" dirty="0" smtClean="0"/>
+              <a:rPr lang="en-US" dirty="0"/>
               <a:t>Fourth level</a:t>
             </a:r>
           </a:p>
           <a:p>
             <a:pPr lvl="4"/>
             <a:r>
-              <a:rPr lang="en-US" dirty="0" smtClean="0"/>
+              <a:rPr lang="en-US" dirty="0"/>
               <a:t>Fifth level</a:t>
             </a:r>
-            <a:endParaRPr lang="en-US" dirty="0"/>
           </a:p>
         </p:txBody>
       </p:sp>
@@ -3516,10 +3495,9 @@
           </a:lstStyle>
           <a:p>
             <a:r>
-              <a:rPr lang="en-US" dirty="0" smtClean="0"/>
+              <a:rPr lang="en-US" dirty="0"/>
               <a:t>Click to edit Master title style</a:t>
             </a:r>
-            <a:endParaRPr lang="en-US" dirty="0"/>
           </a:p>
         </p:txBody>
       </p:sp>
@@ -3528,13 +3506,6 @@
   <p:clrMapOvr>
     <a:masterClrMapping/>
   </p:clrMapOvr>
-  <p:timing>
-    <p:tnLst>
-      <p:par>
-        <p:cTn xmlns:p14="http://schemas.microsoft.com/office/powerpoint/2010/main" id="1" dur="indefinite" restart="never" nodeType="tmRoot"/>
-      </p:par>
-    </p:tnLst>
-  </p:timing>
 </p:sldLayout>
 </file>
 
@@ -3560,13 +3531,6 @@
   <p:clrMapOvr>
     <a:masterClrMapping/>
   </p:clrMapOvr>
-  <p:timing>
-    <p:tnLst>
-      <p:par>
-        <p:cTn xmlns:p14="http://schemas.microsoft.com/office/powerpoint/2010/main" id="1" dur="indefinite" restart="never" nodeType="tmRoot"/>
-      </p:par>
-    </p:tnLst>
-  </p:timing>
 </p:sldLayout>
 </file>
 
@@ -3614,10 +3578,9 @@
           </a:lstStyle>
           <a:p>
             <a:r>
-              <a:rPr lang="en-US" dirty="0" smtClean="0"/>
+              <a:rPr lang="en-US" dirty="0"/>
               <a:t>Click to edit Master title style</a:t>
             </a:r>
-            <a:endParaRPr lang="en-US" dirty="0"/>
           </a:p>
         </p:txBody>
       </p:sp>
@@ -3681,38 +3644,37 @@
           <a:p>
             <a:pPr lvl="0"/>
             <a:r>
-              <a:rPr lang="en-US" dirty="0" smtClean="0"/>
+              <a:rPr lang="en-US" dirty="0"/>
               <a:t>Click to edit Master text styles</a:t>
             </a:r>
           </a:p>
           <a:p>
             <a:pPr lvl="1"/>
             <a:r>
-              <a:rPr lang="en-US" dirty="0" smtClean="0"/>
+              <a:rPr lang="en-US" dirty="0"/>
               <a:t>Second level</a:t>
             </a:r>
           </a:p>
           <a:p>
             <a:pPr lvl="2"/>
             <a:r>
-              <a:rPr lang="en-US" dirty="0" smtClean="0"/>
+              <a:rPr lang="en-US" dirty="0"/>
               <a:t>Third level</a:t>
             </a:r>
           </a:p>
           <a:p>
             <a:pPr lvl="3"/>
             <a:r>
-              <a:rPr lang="en-US" dirty="0" smtClean="0"/>
+              <a:rPr lang="en-US" dirty="0"/>
               <a:t>Fourth level</a:t>
             </a:r>
           </a:p>
           <a:p>
             <a:pPr lvl="4"/>
             <a:r>
-              <a:rPr lang="en-US" dirty="0" smtClean="0"/>
+              <a:rPr lang="en-US" dirty="0"/>
               <a:t>Fifth level</a:t>
             </a:r>
-            <a:endParaRPr lang="en-US" dirty="0"/>
           </a:p>
         </p:txBody>
       </p:sp>
@@ -3777,7 +3739,7 @@
           <a:p>
             <a:pPr lvl="0"/>
             <a:r>
-              <a:rPr lang="en-US" dirty="0" smtClean="0"/>
+              <a:rPr lang="en-US" dirty="0"/>
               <a:t>Click to edit Master text styles</a:t>
             </a:r>
           </a:p>
@@ -3788,13 +3750,6 @@
   <p:clrMapOvr>
     <a:masterClrMapping/>
   </p:clrMapOvr>
-  <p:timing>
-    <p:tnLst>
-      <p:par>
-        <p:cTn xmlns:p14="http://schemas.microsoft.com/office/powerpoint/2010/main" id="1" dur="indefinite" restart="never" nodeType="tmRoot"/>
-      </p:par>
-    </p:tnLst>
-  </p:timing>
 </p:sldLayout>
 </file>
 
@@ -3842,10 +3797,9 @@
           </a:lstStyle>
           <a:p>
             <a:r>
-              <a:rPr lang="en-US" dirty="0" smtClean="0"/>
+              <a:rPr lang="en-US" dirty="0"/>
               <a:t>Click to edit Master title style</a:t>
             </a:r>
-            <a:endParaRPr lang="en-US" dirty="0"/>
           </a:p>
         </p:txBody>
       </p:sp>
@@ -3910,7 +3864,7 @@
           <a:p>
             <a:pPr lvl="0"/>
             <a:r>
-              <a:rPr lang="en-US" noProof="0" dirty="0" smtClean="0"/>
+              <a:rPr lang="en-US" noProof="0" dirty="0"/>
               <a:t>Click icon to add picture</a:t>
             </a:r>
           </a:p>
@@ -3977,7 +3931,7 @@
           <a:p>
             <a:pPr lvl="0"/>
             <a:r>
-              <a:rPr lang="en-US" dirty="0" smtClean="0"/>
+              <a:rPr lang="en-US" dirty="0"/>
               <a:t>Click to edit Master text styles</a:t>
             </a:r>
           </a:p>
@@ -4052,7 +4006,7 @@
           <a:p>
             <a:pPr lvl="0"/>
             <a:r>
-              <a:rPr lang="en-US" dirty="0" smtClean="0"/>
+              <a:rPr lang="en-US" dirty="0"/>
               <a:t>Click to edit Master title style</a:t>
             </a:r>
           </a:p>
@@ -4094,35 +4048,35 @@
           <a:p>
             <a:pPr lvl="0"/>
             <a:r>
-              <a:rPr lang="en-US" dirty="0" smtClean="0"/>
+              <a:rPr lang="en-US" dirty="0"/>
               <a:t>Click to edit Master text styles</a:t>
             </a:r>
           </a:p>
           <a:p>
             <a:pPr lvl="1"/>
             <a:r>
-              <a:rPr lang="en-US" dirty="0" smtClean="0"/>
+              <a:rPr lang="en-US" dirty="0"/>
               <a:t>Second level</a:t>
             </a:r>
           </a:p>
           <a:p>
             <a:pPr lvl="2"/>
             <a:r>
-              <a:rPr lang="en-US" dirty="0" smtClean="0"/>
+              <a:rPr lang="en-US" dirty="0"/>
               <a:t>Third level</a:t>
             </a:r>
           </a:p>
           <a:p>
             <a:pPr lvl="3"/>
             <a:r>
-              <a:rPr lang="en-US" dirty="0" smtClean="0"/>
+              <a:rPr lang="en-US" dirty="0"/>
               <a:t>Fourth level</a:t>
             </a:r>
           </a:p>
           <a:p>
             <a:pPr lvl="4"/>
             <a:r>
-              <a:rPr lang="en-US" dirty="0" smtClean="0"/>
+              <a:rPr lang="en-US" dirty="0"/>
               <a:t>Fifth level</a:t>
             </a:r>
           </a:p>
@@ -4280,30 +4234,30 @@
           <a:lstStyle/>
           <a:p>
             <a:r>
-              <a:rPr lang="en-US" sz="1000" b="0" i="0" dirty="0" smtClean="0">
+              <a:rPr lang="en-US" sz="1000" b="0" i="0" dirty="0">
                 <a:latin typeface="Calibri" pitchFamily="34" charset="0"/>
               </a:rPr>
               <a:t>Bryant</a:t>
             </a:r>
             <a:r>
-              <a:rPr lang="en-US" sz="1000" b="0" i="0" baseline="0" dirty="0" smtClean="0">
+              <a:rPr lang="en-US" sz="1000" b="0" i="0" baseline="0" dirty="0">
                 <a:latin typeface="Calibri" pitchFamily="34" charset="0"/>
               </a:rPr>
               <a:t> and </a:t>
             </a:r>
             <a:r>
-              <a:rPr lang="en-US" sz="1000" b="0" i="0" baseline="0" dirty="0" err="1" smtClean="0">
+              <a:rPr lang="en-US" sz="1000" b="0" i="0" baseline="0" dirty="0" err="1">
                 <a:latin typeface="Calibri" pitchFamily="34" charset="0"/>
               </a:rPr>
               <a:t>O’Hallaron</a:t>
             </a:r>
             <a:r>
-              <a:rPr lang="en-US" sz="1000" b="0" i="0" baseline="0" dirty="0" smtClean="0">
+              <a:rPr lang="en-US" sz="1000" b="0" i="0" baseline="0" dirty="0">
                 <a:latin typeface="Calibri" pitchFamily="34" charset="0"/>
               </a:rPr>
               <a:t>, Computer Systems: A Programmer’s Perspective, Third Edition</a:t>
             </a:r>
-            <a:endParaRPr lang="en-US" sz="1000" b="0" i="0" dirty="0" smtClean="0">
+            <a:endParaRPr lang="en-US" sz="1000" b="0" i="0" dirty="0">
               <a:latin typeface="Calibri" pitchFamily="34" charset="0"/>
             </a:endParaRPr>
           </a:p>
@@ -4327,13 +4281,6 @@
     <p:sldLayoutId id="2147483650" r:id="rId12"/>
     <p:sldLayoutId id="2147483649" r:id="rId13"/>
   </p:sldLayoutIdLst>
-  <p:timing>
-    <p:tnLst>
-      <p:par>
-        <p:cTn xmlns:p14="http://schemas.microsoft.com/office/powerpoint/2010/main" id="1" dur="indefinite" restart="never" nodeType="tmRoot"/>
-      </p:par>
-    </p:tnLst>
-  </p:timing>
   <p:txStyles>
     <p:titleStyle>
       <a:lvl1pPr marL="119063" indent="-119063" algn="l" rtl="0" eaLnBrk="1" fontAlgn="base" hangingPunct="1">
@@ -4754,66 +4701,41 @@
           <a:p>
             <a:pPr marL="0" indent="0"/>
             <a:r>
-              <a:rPr lang="en-US" dirty="0" smtClean="0"/>
-              <a:t>About the </a:t>
-            </a:r>
-            <a:r>
-              <a:rPr lang="en-US" dirty="0" smtClean="0"/>
-              <a:t>Slides </a:t>
-            </a:r>
-            <a:r>
-              <a:rPr lang="en-US" dirty="0" smtClean="0"/>
-              <a:t>for</a:t>
+              <a:rPr lang="en-US" dirty="0"/>
+              <a:t>About the Slides for</a:t>
             </a:r>
             <a:br>
-              <a:rPr lang="en-US" dirty="0" smtClean="0"/>
+              <a:rPr lang="en-US" dirty="0"/>
             </a:br>
             <a:r>
-              <a:rPr lang="en-US" dirty="0" smtClean="0"/>
+              <a:rPr lang="en-US" dirty="0"/>
               <a:t>Introduction to Computer Systems</a:t>
             </a:r>
             <a:br>
-              <a:rPr lang="en-US" dirty="0" smtClean="0"/>
+              <a:rPr lang="en-US" dirty="0"/>
             </a:br>
-            <a:r>
-              <a:rPr lang="en-US" dirty="0" smtClean="0"/>
-              <a:t/>
-            </a:r>
             <a:br>
-              <a:rPr lang="en-US" dirty="0" smtClean="0"/>
+              <a:rPr lang="en-US" dirty="0"/>
             </a:br>
             <a:r>
-              <a:rPr lang="en-US" sz="2000" b="0" dirty="0" smtClean="0"/>
-              <a:t>15-</a:t>
-            </a:r>
-            <a:r>
-              <a:rPr lang="en-US" sz="2000" b="0" dirty="0" smtClean="0"/>
-              <a:t>213: </a:t>
-            </a:r>
-            <a:r>
-              <a:rPr lang="en-US" sz="2000" b="0" dirty="0" smtClean="0"/>
-              <a:t>Introduction to Computer Systems</a:t>
+              <a:rPr lang="en-US" sz="2000" b="0" dirty="0"/>
+              <a:t>15-213: Introduction to Computer Systems</a:t>
             </a:r>
             <a:br>
-              <a:rPr lang="en-US" sz="2000" b="0" dirty="0" smtClean="0"/>
+              <a:rPr lang="en-US" sz="2000" b="0" dirty="0"/>
             </a:br>
             <a:r>
-              <a:rPr lang="en-US" sz="2000" b="0" dirty="0" smtClean="0"/>
+              <a:rPr lang="en-US" sz="2000" b="0" dirty="0"/>
               <a:t>0</a:t>
             </a:r>
             <a:r>
-              <a:rPr lang="en-US" sz="2000" b="0" baseline="30000" dirty="0" smtClean="0"/>
+              <a:rPr lang="en-US" sz="2000" b="0" baseline="30000" dirty="0"/>
               <a:t>th</a:t>
             </a:r>
             <a:r>
-              <a:rPr lang="en-US" sz="2000" b="0" dirty="0" smtClean="0"/>
-              <a:t> Lecture, </a:t>
-            </a:r>
-            <a:r>
-              <a:rPr lang="en-US" sz="2000" b="0" dirty="0" smtClean="0"/>
-              <a:t>Sep. 1, 2015</a:t>
-            </a:r>
-            <a:endParaRPr lang="en-US" sz="2000" b="0" dirty="0" smtClean="0"/>
+              <a:rPr lang="en-US" sz="2000" b="0" dirty="0"/>
+              <a:t> Lecture, Sep. 1, 2015</a:t>
+            </a:r>
           </a:p>
         </p:txBody>
       </p:sp>
@@ -4838,36 +4760,35 @@
           <a:lstStyle/>
           <a:p>
             <a:r>
-              <a:rPr lang="en-US" dirty="0" smtClean="0"/>
+              <a:rPr lang="en-US" dirty="0"/>
               <a:t>Markus </a:t>
             </a:r>
             <a:r>
-              <a:rPr lang="en-US" dirty="0" err="1" smtClean="0"/>
+              <a:rPr lang="en-US" dirty="0" err="1"/>
               <a:t>Püschel</a:t>
             </a:r>
-            <a:endParaRPr lang="en-US" dirty="0" smtClean="0"/>
-          </a:p>
-          <a:p>
-            <a:r>
-              <a:rPr lang="en-US" dirty="0" smtClean="0"/>
+            <a:endParaRPr lang="en-US" dirty="0"/>
+          </a:p>
+          <a:p>
+            <a:r>
+              <a:rPr lang="en-US" dirty="0"/>
               <a:t>ETH Zurich</a:t>
             </a:r>
-            <a:endParaRPr lang="en-US" dirty="0" smtClean="0"/>
-          </a:p>
-          <a:p>
-            <a:endParaRPr lang="en-US" dirty="0" smtClean="0"/>
-          </a:p>
-          <a:p>
-            <a:r>
-              <a:rPr lang="en-US" dirty="0" smtClean="0"/>
+          </a:p>
+          <a:p>
+            <a:endParaRPr lang="en-US" dirty="0"/>
+          </a:p>
+          <a:p>
+            <a:r>
+              <a:rPr lang="en-US" dirty="0"/>
               <a:t>(with small contributions by Dave </a:t>
             </a:r>
             <a:r>
-              <a:rPr lang="en-US" dirty="0" err="1" smtClean="0"/>
+              <a:rPr lang="en-US" dirty="0" err="1"/>
               <a:t>O’Hallaron</a:t>
             </a:r>
             <a:r>
-              <a:rPr lang="en-US" dirty="0" smtClean="0"/>
+              <a:rPr lang="en-US" dirty="0"/>
               <a:t>)</a:t>
             </a:r>
           </a:p>
@@ -4878,14 +4799,7 @@
   <p:clrMapOvr>
     <a:masterClrMapping/>
   </p:clrMapOvr>
-  <p:transition xmlns:p14="http://schemas.microsoft.com/office/powerpoint/2010/main"/>
-  <p:timing>
-    <p:tnLst>
-      <p:par>
-        <p:cTn xmlns:p14="http://schemas.microsoft.com/office/powerpoint/2010/main" id="1" dur="indefinite" restart="never" nodeType="tmRoot"/>
-      </p:par>
-    </p:tnLst>
-  </p:timing>
+  <p:transition/>
 </p:sld>
 </file>
 
@@ -4922,10 +4836,9 @@
           <a:lstStyle/>
           <a:p>
             <a:r>
-              <a:rPr lang="en-US" dirty="0" smtClean="0"/>
+              <a:rPr lang="en-US" dirty="0"/>
               <a:t>Linux Command Prompt</a:t>
             </a:r>
-            <a:endParaRPr lang="en-US" dirty="0"/>
           </a:p>
         </p:txBody>
       </p:sp>
@@ -5145,10 +5058,9 @@
           <a:lstStyle/>
           <a:p>
             <a:r>
-              <a:rPr lang="en-US" dirty="0" smtClean="0"/>
+              <a:rPr lang="en-US" dirty="0"/>
               <a:t>Stack and Registers</a:t>
             </a:r>
-            <a:endParaRPr lang="en-US" dirty="0"/>
           </a:p>
         </p:txBody>
       </p:sp>
@@ -5196,25 +5108,13 @@
               <a:rPr lang="en-US" sz="1800" dirty="0">
                 <a:latin typeface="Calibri" pitchFamily="34" charset="0"/>
               </a:rPr>
-              <a:t>Return</a:t>
-            </a:r>
-            <a:r>
-              <a:rPr lang="en-US" sz="1800" dirty="0" smtClean="0">
-                <a:latin typeface="Calibri" pitchFamily="34" charset="0"/>
-              </a:rPr>
-              <a:t> </a:t>
+              <a:t>Return </a:t>
             </a:r>
             <a:r>
               <a:rPr lang="en-US" sz="1800" dirty="0" err="1">
                 <a:latin typeface="Calibri" pitchFamily="34" charset="0"/>
               </a:rPr>
-              <a:t>a</a:t>
-            </a:r>
-            <a:r>
-              <a:rPr lang="en-US" sz="1800" dirty="0" err="1" smtClean="0">
-                <a:latin typeface="Calibri" pitchFamily="34" charset="0"/>
-              </a:rPr>
-              <a:t>ddr</a:t>
+              <a:t>addr</a:t>
             </a:r>
             <a:endParaRPr lang="en-US" sz="1800" dirty="0">
               <a:latin typeface="Calibri" pitchFamily="34" charset="0"/>
@@ -5269,9 +5169,6 @@
               </a:rPr>
               <a:t>Saved</a:t>
             </a:r>
-            <a:endParaRPr lang="en-US" sz="1800" dirty="0" smtClean="0">
-              <a:latin typeface="Calibri" pitchFamily="34" charset="0"/>
-            </a:endParaRPr>
           </a:p>
           <a:p>
             <a:pPr algn="ctr">
@@ -5283,17 +5180,8 @@
               <a:rPr lang="en-US" sz="1800" dirty="0">
                 <a:latin typeface="Calibri" pitchFamily="34" charset="0"/>
               </a:rPr>
-              <a:t>r</a:t>
-            </a:r>
-            <a:r>
-              <a:rPr lang="en-US" sz="1800" dirty="0" smtClean="0">
-                <a:latin typeface="Calibri" pitchFamily="34" charset="0"/>
-              </a:rPr>
-              <a:t>egisters</a:t>
-            </a:r>
-            <a:endParaRPr lang="en-US" sz="1800" dirty="0">
-              <a:latin typeface="Calibri" pitchFamily="34" charset="0"/>
-            </a:endParaRPr>
+              <a:t>registers</a:t>
+            </a:r>
           </a:p>
           <a:p>
             <a:pPr algn="ctr">
@@ -5307,9 +5195,6 @@
               </a:rPr>
               <a:t>+</a:t>
             </a:r>
-            <a:endParaRPr lang="en-US" sz="1800" dirty="0" smtClean="0">
-              <a:latin typeface="Calibri" pitchFamily="34" charset="0"/>
-            </a:endParaRPr>
           </a:p>
           <a:p>
             <a:pPr algn="ctr">
@@ -5318,7 +5203,7 @@
               </a:lnSpc>
             </a:pPr>
             <a:r>
-              <a:rPr lang="en-US" sz="1800" dirty="0" smtClean="0">
+              <a:rPr lang="en-US" sz="1800" dirty="0">
                 <a:latin typeface="Calibri" pitchFamily="34" charset="0"/>
               </a:rPr>
               <a:t>Local</a:t>
@@ -5334,17 +5219,8 @@
               <a:rPr lang="en-US" sz="1800" dirty="0">
                 <a:latin typeface="Calibri" pitchFamily="34" charset="0"/>
               </a:rPr>
-              <a:t>v</a:t>
-            </a:r>
-            <a:r>
-              <a:rPr lang="en-US" sz="1800" dirty="0" smtClean="0">
-                <a:latin typeface="Calibri" pitchFamily="34" charset="0"/>
-              </a:rPr>
-              <a:t>ariables</a:t>
-            </a:r>
-            <a:endParaRPr lang="en-US" sz="1800" dirty="0">
-              <a:latin typeface="Calibri" pitchFamily="34" charset="0"/>
-            </a:endParaRPr>
+              <a:t>variables</a:t>
+            </a:r>
           </a:p>
         </p:txBody>
       </p:sp>
@@ -5395,9 +5271,6 @@
               </a:rPr>
               <a:t>Argument</a:t>
             </a:r>
-            <a:endParaRPr lang="en-US" sz="1800" dirty="0" smtClean="0">
-              <a:latin typeface="Calibri" pitchFamily="34" charset="0"/>
-            </a:endParaRPr>
           </a:p>
           <a:p>
             <a:pPr algn="ctr">
@@ -5409,17 +5282,8 @@
               <a:rPr lang="en-US" sz="1800" dirty="0">
                 <a:latin typeface="Calibri" pitchFamily="34" charset="0"/>
               </a:rPr>
-              <a:t>b</a:t>
-            </a:r>
-            <a:r>
-              <a:rPr lang="en-US" sz="1800" dirty="0" smtClean="0">
-                <a:latin typeface="Calibri" pitchFamily="34" charset="0"/>
-              </a:rPr>
-              <a:t>uild</a:t>
-            </a:r>
-            <a:endParaRPr lang="en-US" sz="1800" dirty="0">
-              <a:latin typeface="Calibri" pitchFamily="34" charset="0"/>
-            </a:endParaRPr>
+              <a:t>build</a:t>
+            </a:r>
           </a:p>
         </p:txBody>
       </p:sp>
@@ -5749,13 +5613,13 @@
               </a:lnSpc>
             </a:pPr>
             <a:r>
-              <a:rPr lang="en-US" sz="1800" dirty="0" smtClean="0">
+              <a:rPr lang="en-US" sz="1800" dirty="0">
                 <a:latin typeface="Courier New" pitchFamily="49" charset="0"/>
               </a:rPr>
               <a:t>%</a:t>
             </a:r>
             <a:r>
-              <a:rPr lang="en-US" sz="1800" dirty="0" err="1" smtClean="0">
+              <a:rPr lang="en-US" sz="1800" dirty="0" err="1">
                 <a:latin typeface="Courier New" pitchFamily="49" charset="0"/>
               </a:rPr>
               <a:t>ebp</a:t>
@@ -5840,13 +5704,13 @@
               </a:lnSpc>
             </a:pPr>
             <a:r>
-              <a:rPr lang="en-US" sz="1800" dirty="0" smtClean="0">
+              <a:rPr lang="en-US" sz="1800" dirty="0">
                 <a:latin typeface="Courier New" pitchFamily="49" charset="0"/>
               </a:rPr>
               <a:t>%</a:t>
             </a:r>
             <a:r>
-              <a:rPr lang="en-US" sz="1800" dirty="0" err="1" smtClean="0">
+              <a:rPr lang="en-US" sz="1800" dirty="0" err="1">
                 <a:latin typeface="Courier New" pitchFamily="49" charset="0"/>
               </a:rPr>
               <a:t>esp</a:t>
@@ -6363,8 +6227,8 @@
         </p:nvSpPr>
         <p:spPr bwMode="auto">
           <a:xfrm>
-            <a:off x="889282" y="2808642"/>
-            <a:ext cx="1224652" cy="369332"/>
+            <a:off x="889496" y="2808642"/>
+            <a:ext cx="1224438" cy="646331"/>
           </a:xfrm>
           <a:prstGeom prst="rect">
             <a:avLst/>
@@ -6390,10 +6254,23 @@
               </a:lnSpc>
             </a:pPr>
             <a:r>
-              <a:rPr lang="en-US" sz="1800" dirty="0" smtClean="0">
+              <a:rPr lang="en-US" sz="1800" dirty="0">
                 <a:latin typeface="Calibri" pitchFamily="34" charset="0"/>
               </a:rPr>
               <a:t>Caller-save</a:t>
+            </a:r>
+          </a:p>
+          <a:p>
+            <a:pPr algn="r">
+              <a:lnSpc>
+                <a:spcPct val="100000"/>
+              </a:lnSpc>
+            </a:pPr>
+            <a:r>
+              <a:rPr lang="zh-CN" altLang="en-US" sz="1800" dirty="0">
+                <a:latin typeface="Calibri" pitchFamily="34" charset="0"/>
+              </a:rPr>
+              <a:t>调用函数</a:t>
             </a:r>
             <a:endParaRPr lang="en-US" sz="1800" dirty="0">
               <a:latin typeface="Calibri" pitchFamily="34" charset="0"/>
@@ -6411,8 +6288,8 @@
         </p:nvSpPr>
         <p:spPr bwMode="auto">
           <a:xfrm>
-            <a:off x="850622" y="3908626"/>
-            <a:ext cx="1263312" cy="369332"/>
+            <a:off x="855834" y="3908626"/>
+            <a:ext cx="1258100" cy="646331"/>
           </a:xfrm>
           <a:prstGeom prst="rect">
             <a:avLst/>
@@ -6438,16 +6315,29 @@
               </a:lnSpc>
             </a:pPr>
             <a:r>
-              <a:rPr lang="en-US" sz="1800" dirty="0" err="1" smtClean="0">
+              <a:rPr lang="en-US" sz="1800" dirty="0" err="1">
                 <a:latin typeface="Calibri" pitchFamily="34" charset="0"/>
               </a:rPr>
               <a:t>Callee</a:t>
             </a:r>
             <a:r>
-              <a:rPr lang="en-US" sz="1800" dirty="0" smtClean="0">
+              <a:rPr lang="en-US" sz="1800" dirty="0">
                 <a:latin typeface="Calibri" pitchFamily="34" charset="0"/>
               </a:rPr>
               <a:t>-save</a:t>
+            </a:r>
+          </a:p>
+          <a:p>
+            <a:pPr algn="r">
+              <a:lnSpc>
+                <a:spcPct val="100000"/>
+              </a:lnSpc>
+            </a:pPr>
+            <a:r>
+              <a:rPr lang="zh-CN" altLang="en-US" sz="1800" dirty="0">
+                <a:latin typeface="Calibri" pitchFamily="34" charset="0"/>
+              </a:rPr>
+              <a:t>被调函数</a:t>
             </a:r>
             <a:endParaRPr lang="en-US" sz="1800" dirty="0">
               <a:latin typeface="Calibri" pitchFamily="34" charset="0"/>
@@ -6508,7 +6398,7 @@
   <p:timing>
     <p:tnLst>
       <p:par>
-        <p:cTn xmlns:p14="http://schemas.microsoft.com/office/powerpoint/2010/main" id="1" dur="indefinite" restart="never" nodeType="tmRoot">
+        <p:cTn id="1" dur="indefinite" restart="never" nodeType="tmRoot">
           <p:childTnLst>
             <p:seq concurrent="1" nextAc="seek">
               <p:cTn id="2" dur="indefinite" nodeType="mainSeq">
@@ -6983,10 +6873,9 @@
           <a:lstStyle/>
           <a:p>
             <a:r>
-              <a:rPr lang="en-US" dirty="0" smtClean="0"/>
+              <a:rPr lang="en-US" dirty="0"/>
               <a:t>Bar Plot</a:t>
             </a:r>
-            <a:endParaRPr lang="en-US" dirty="0"/>
           </a:p>
         </p:txBody>
       </p:sp>
@@ -7137,10 +7026,9 @@
           <a:lstStyle/>
           <a:p>
             <a:r>
-              <a:rPr lang="en-US" dirty="0" smtClean="0"/>
+              <a:rPr lang="en-US" dirty="0"/>
               <a:t>Tables</a:t>
             </a:r>
-            <a:endParaRPr lang="en-US" dirty="0"/>
           </a:p>
         </p:txBody>
       </p:sp>
@@ -7163,9 +7051,27 @@
                 <a:tableStyleId>{00A15C55-8517-42AA-B614-E9B94910E393}</a:tableStyleId>
               </a:tblPr>
               <a:tblGrid>
-                <a:gridCol w="1393589"/>
-                <a:gridCol w="1032974"/>
-                <a:gridCol w="697638"/>
+                <a:gridCol w="1393589">
+                  <a:extLst>
+                    <a:ext uri="{9D8B030D-6E8A-4147-A177-3AD203B41FA5}">
+                      <a16:colId xmlns:a16="http://schemas.microsoft.com/office/drawing/2014/main" val="20000"/>
+                    </a:ext>
+                  </a:extLst>
+                </a:gridCol>
+                <a:gridCol w="1032974">
+                  <a:extLst>
+                    <a:ext uri="{9D8B030D-6E8A-4147-A177-3AD203B41FA5}">
+                      <a16:colId xmlns:a16="http://schemas.microsoft.com/office/drawing/2014/main" val="20001"/>
+                    </a:ext>
+                  </a:extLst>
+                </a:gridCol>
+                <a:gridCol w="697638">
+                  <a:extLst>
+                    <a:ext uri="{9D8B030D-6E8A-4147-A177-3AD203B41FA5}">
+                      <a16:colId xmlns:a16="http://schemas.microsoft.com/office/drawing/2014/main" val="20002"/>
+                    </a:ext>
+                  </a:extLst>
+                </a:gridCol>
               </a:tblGrid>
               <a:tr h="390525">
                 <a:tc>
@@ -7192,7 +7098,7 @@
                         <a:tabLst/>
                       </a:pPr>
                       <a:r>
-                        <a:rPr kumimoji="0" lang="en-US" sz="1800" u="none" strike="noStrike" cap="none" normalizeH="0" baseline="0" dirty="0" smtClean="0">
+                        <a:rPr kumimoji="0" lang="en-US" sz="1800" u="none" strike="noStrike" cap="none" normalizeH="0" baseline="0" dirty="0">
                           <a:ln>
                             <a:noFill/>
                           </a:ln>
@@ -7204,7 +7110,7 @@
                         </a:rPr>
                         <a:t>Machine</a:t>
                       </a:r>
-                      <a:endParaRPr kumimoji="0" lang="en-US" sz="1800" b="1" i="0" u="none" strike="noStrike" cap="none" normalizeH="0" baseline="0" dirty="0" smtClean="0">
+                      <a:endParaRPr kumimoji="0" lang="en-US" sz="1800" b="1" i="0" u="none" strike="noStrike" cap="none" normalizeH="0" baseline="0" dirty="0">
                         <a:ln>
                           <a:noFill/>
                         </a:ln>
@@ -7249,7 +7155,7 @@
                         <a:tabLst/>
                       </a:pPr>
                       <a:r>
-                        <a:rPr kumimoji="0" lang="en-US" sz="1800" u="none" strike="noStrike" cap="none" normalizeH="0" baseline="0" dirty="0" smtClean="0">
+                        <a:rPr kumimoji="0" lang="en-US" sz="1800" u="none" strike="noStrike" cap="none" normalizeH="0" baseline="0" dirty="0">
                           <a:ln>
                             <a:noFill/>
                           </a:ln>
@@ -7261,7 +7167,7 @@
                         </a:rPr>
                         <a:t>Nocona</a:t>
                       </a:r>
-                      <a:endParaRPr kumimoji="0" lang="en-US" sz="1800" b="1" i="0" u="none" strike="noStrike" cap="none" normalizeH="0" baseline="0" dirty="0" smtClean="0">
+                      <a:endParaRPr kumimoji="0" lang="en-US" sz="1800" b="1" i="0" u="none" strike="noStrike" cap="none" normalizeH="0" baseline="0" dirty="0">
                         <a:ln>
                           <a:noFill/>
                         </a:ln>
@@ -7306,7 +7212,7 @@
                         <a:tabLst/>
                       </a:pPr>
                       <a:r>
-                        <a:rPr kumimoji="0" lang="en-US" sz="1800" u="none" strike="noStrike" cap="none" normalizeH="0" baseline="0" dirty="0" smtClean="0">
+                        <a:rPr kumimoji="0" lang="en-US" sz="1800" u="none" strike="noStrike" cap="none" normalizeH="0" baseline="0" dirty="0">
                           <a:ln>
                             <a:noFill/>
                           </a:ln>
@@ -7318,7 +7224,7 @@
                         </a:rPr>
                         <a:t>Core 2</a:t>
                       </a:r>
-                      <a:endParaRPr kumimoji="0" lang="en-US" sz="1800" b="1" i="0" u="none" strike="noStrike" cap="none" normalizeH="0" baseline="0" dirty="0" smtClean="0">
+                      <a:endParaRPr kumimoji="0" lang="en-US" sz="1800" b="1" i="0" u="none" strike="noStrike" cap="none" normalizeH="0" baseline="0" dirty="0">
                         <a:ln>
                           <a:noFill/>
                         </a:ln>
@@ -7339,6 +7245,11 @@
                     </a:solidFill>
                   </a:tcPr>
                 </a:tc>
+                <a:extLst>
+                  <a:ext uri="{0D108BD9-81ED-4DB2-BD59-A6C34878D82A}">
+                    <a16:rowId xmlns:a16="http://schemas.microsoft.com/office/drawing/2014/main" val="10000"/>
+                  </a:ext>
+                </a:extLst>
               </a:tr>
               <a:tr h="387350">
                 <a:tc>
@@ -7365,7 +7276,7 @@
                         <a:tabLst/>
                       </a:pPr>
                       <a:r>
-                        <a:rPr kumimoji="0" lang="en-US" sz="1800" u="none" strike="noStrike" cap="none" normalizeH="0" baseline="0" dirty="0" err="1" smtClean="0">
+                        <a:rPr kumimoji="0" lang="en-US" sz="1800" u="none" strike="noStrike" cap="none" normalizeH="0" baseline="0" dirty="0" err="1">
                           <a:ln>
                             <a:noFill/>
                           </a:ln>
@@ -7374,7 +7285,7 @@
                         </a:rPr>
                         <a:t>rfact</a:t>
                       </a:r>
-                      <a:endParaRPr kumimoji="0" lang="en-US" sz="1800" b="1" i="0" u="none" strike="noStrike" cap="none" normalizeH="0" baseline="0" dirty="0" smtClean="0">
+                      <a:endParaRPr kumimoji="0" lang="en-US" sz="1800" b="1" i="0" u="none" strike="noStrike" cap="none" normalizeH="0" baseline="0" dirty="0">
                         <a:ln>
                           <a:noFill/>
                         </a:ln>
@@ -7413,7 +7324,7 @@
                         <a:tabLst/>
                       </a:pPr>
                       <a:r>
-                        <a:rPr kumimoji="0" lang="en-US" sz="1800" u="none" strike="noStrike" cap="none" normalizeH="0" baseline="0" dirty="0" smtClean="0">
+                        <a:rPr kumimoji="0" lang="en-US" sz="1800" u="none" strike="noStrike" cap="none" normalizeH="0" baseline="0" dirty="0">
                           <a:ln>
                             <a:noFill/>
                           </a:ln>
@@ -7422,7 +7333,7 @@
                         </a:rPr>
                         <a:t>15.5</a:t>
                       </a:r>
-                      <a:endParaRPr kumimoji="0" lang="en-US" sz="1800" b="1" i="0" u="none" strike="noStrike" cap="none" normalizeH="0" baseline="0" dirty="0" smtClean="0">
+                      <a:endParaRPr kumimoji="0" lang="en-US" sz="1800" b="1" i="0" u="none" strike="noStrike" cap="none" normalizeH="0" baseline="0" dirty="0">
                         <a:ln>
                           <a:noFill/>
                         </a:ln>
@@ -7460,7 +7371,7 @@
                         <a:tabLst/>
                       </a:pPr>
                       <a:r>
-                        <a:rPr kumimoji="0" lang="en-US" sz="1800" u="none" strike="noStrike" cap="none" normalizeH="0" baseline="0" dirty="0" smtClean="0">
+                        <a:rPr kumimoji="0" lang="en-US" sz="1800" u="none" strike="noStrike" cap="none" normalizeH="0" baseline="0" dirty="0">
                           <a:ln>
                             <a:noFill/>
                           </a:ln>
@@ -7469,7 +7380,7 @@
                         </a:rPr>
                         <a:t>6.0</a:t>
                       </a:r>
-                      <a:endParaRPr kumimoji="0" lang="en-US" sz="1800" b="1" i="0" u="none" strike="noStrike" cap="none" normalizeH="0" baseline="0" dirty="0" smtClean="0">
+                      <a:endParaRPr kumimoji="0" lang="en-US" sz="1800" b="1" i="0" u="none" strike="noStrike" cap="none" normalizeH="0" baseline="0" dirty="0">
                         <a:ln>
                           <a:noFill/>
                         </a:ln>
@@ -7483,6 +7394,11 @@
                   </a:txBody>
                   <a:tcPr marL="45720" marR="45720" horzOverflow="overflow"/>
                 </a:tc>
+                <a:extLst>
+                  <a:ext uri="{0D108BD9-81ED-4DB2-BD59-A6C34878D82A}">
+                    <a16:rowId xmlns:a16="http://schemas.microsoft.com/office/drawing/2014/main" val="10001"/>
+                  </a:ext>
+                </a:extLst>
               </a:tr>
               <a:tr h="387350">
                 <a:tc>
@@ -7509,7 +7425,7 @@
                         <a:tabLst/>
                       </a:pPr>
                       <a:r>
-                        <a:rPr kumimoji="0" lang="en-US" sz="1800" u="none" strike="noStrike" cap="none" normalizeH="0" baseline="0" dirty="0" smtClean="0">
+                        <a:rPr kumimoji="0" lang="en-US" sz="1800" u="none" strike="noStrike" cap="none" normalizeH="0" baseline="0" dirty="0">
                           <a:ln>
                             <a:noFill/>
                           </a:ln>
@@ -7518,7 +7434,7 @@
                         </a:rPr>
                         <a:t>fact</a:t>
                       </a:r>
-                      <a:endParaRPr kumimoji="0" lang="en-US" sz="1800" b="1" i="0" u="none" strike="noStrike" cap="none" normalizeH="0" baseline="0" dirty="0" smtClean="0">
+                      <a:endParaRPr kumimoji="0" lang="en-US" sz="1800" b="1" i="0" u="none" strike="noStrike" cap="none" normalizeH="0" baseline="0" dirty="0">
                         <a:ln>
                           <a:noFill/>
                         </a:ln>
@@ -7557,7 +7473,7 @@
                         <a:tabLst/>
                       </a:pPr>
                       <a:r>
-                        <a:rPr kumimoji="0" lang="en-US" sz="1800" u="none" strike="noStrike" cap="none" normalizeH="0" baseline="0" dirty="0" smtClean="0">
+                        <a:rPr kumimoji="0" lang="en-US" sz="1800" u="none" strike="noStrike" cap="none" normalizeH="0" baseline="0" dirty="0">
                           <a:ln>
                             <a:noFill/>
                           </a:ln>
@@ -7566,7 +7482,7 @@
                         </a:rPr>
                         <a:t>10.0</a:t>
                       </a:r>
-                      <a:endParaRPr kumimoji="0" lang="en-US" sz="1800" b="1" i="0" u="none" strike="noStrike" cap="none" normalizeH="0" baseline="0" dirty="0" smtClean="0">
+                      <a:endParaRPr kumimoji="0" lang="en-US" sz="1800" b="1" i="0" u="none" strike="noStrike" cap="none" normalizeH="0" baseline="0" dirty="0">
                         <a:ln>
                           <a:noFill/>
                         </a:ln>
@@ -7604,7 +7520,7 @@
                         <a:tabLst/>
                       </a:pPr>
                       <a:r>
-                        <a:rPr kumimoji="0" lang="en-US" sz="1800" u="none" strike="noStrike" cap="none" normalizeH="0" baseline="0" dirty="0" smtClean="0">
+                        <a:rPr kumimoji="0" lang="en-US" sz="1800" u="none" strike="noStrike" cap="none" normalizeH="0" baseline="0" dirty="0">
                           <a:ln>
                             <a:noFill/>
                           </a:ln>
@@ -7613,7 +7529,7 @@
                         </a:rPr>
                         <a:t>3.0</a:t>
                       </a:r>
-                      <a:endParaRPr kumimoji="0" lang="en-US" sz="1800" b="1" i="0" u="none" strike="noStrike" cap="none" normalizeH="0" baseline="0" dirty="0" smtClean="0">
+                      <a:endParaRPr kumimoji="0" lang="en-US" sz="1800" b="1" i="0" u="none" strike="noStrike" cap="none" normalizeH="0" baseline="0" dirty="0">
                         <a:ln>
                           <a:noFill/>
                         </a:ln>
@@ -7627,6 +7543,11 @@
                   </a:txBody>
                   <a:tcPr marL="45720" marR="45720" horzOverflow="overflow"/>
                 </a:tc>
+                <a:extLst>
+                  <a:ext uri="{0D108BD9-81ED-4DB2-BD59-A6C34878D82A}">
+                    <a16:rowId xmlns:a16="http://schemas.microsoft.com/office/drawing/2014/main" val="10002"/>
+                  </a:ext>
+                </a:extLst>
               </a:tr>
             </a:tbl>
           </a:graphicData>
@@ -7669,29 +7590,20 @@
               <a:rPr lang="en-US" sz="1800" kern="0" dirty="0">
                 <a:latin typeface="Calibri" pitchFamily="34" charset="0"/>
               </a:rPr>
-              <a:t>Cycles </a:t>
-            </a:r>
-            <a:r>
-              <a:rPr lang="en-US" sz="1800" kern="0" dirty="0" smtClean="0">
-                <a:latin typeface="Calibri" pitchFamily="34" charset="0"/>
-              </a:rPr>
-              <a:t>per element (or per </a:t>
-            </a:r>
-            <a:r>
-              <a:rPr lang="en-US" sz="1800" kern="0" dirty="0" err="1" smtClean="0">
+              <a:t>Cycles per element (or per </a:t>
+            </a:r>
+            <a:r>
+              <a:rPr lang="en-US" sz="1800" kern="0" dirty="0" err="1">
                 <a:latin typeface="Calibri" pitchFamily="34" charset="0"/>
               </a:rPr>
               <a:t>mult</a:t>
             </a:r>
             <a:r>
-              <a:rPr lang="en-US" sz="1800" kern="0" dirty="0" smtClean="0">
+              <a:rPr lang="en-US" sz="1800" kern="0" dirty="0">
                 <a:latin typeface="Calibri" pitchFamily="34" charset="0"/>
               </a:rPr>
               <a:t>)</a:t>
             </a:r>
-            <a:endParaRPr lang="en-US" sz="1800" kern="0" dirty="0">
-              <a:latin typeface="Calibri" pitchFamily="34" charset="0"/>
-            </a:endParaRPr>
           </a:p>
         </p:txBody>
       </p:sp>
@@ -7714,11 +7626,41 @@
                 <a:tableStyleId>{00A15C55-8517-42AA-B614-E9B94910E393}</a:tableStyleId>
               </a:tblPr>
               <a:tblGrid>
-                <a:gridCol w="1066799"/>
-                <a:gridCol w="838200"/>
-                <a:gridCol w="838200"/>
-                <a:gridCol w="838200"/>
-                <a:gridCol w="832225"/>
+                <a:gridCol w="1066799">
+                  <a:extLst>
+                    <a:ext uri="{9D8B030D-6E8A-4147-A177-3AD203B41FA5}">
+                      <a16:colId xmlns:a16="http://schemas.microsoft.com/office/drawing/2014/main" val="20000"/>
+                    </a:ext>
+                  </a:extLst>
+                </a:gridCol>
+                <a:gridCol w="838200">
+                  <a:extLst>
+                    <a:ext uri="{9D8B030D-6E8A-4147-A177-3AD203B41FA5}">
+                      <a16:colId xmlns:a16="http://schemas.microsoft.com/office/drawing/2014/main" val="20001"/>
+                    </a:ext>
+                  </a:extLst>
+                </a:gridCol>
+                <a:gridCol w="838200">
+                  <a:extLst>
+                    <a:ext uri="{9D8B030D-6E8A-4147-A177-3AD203B41FA5}">
+                      <a16:colId xmlns:a16="http://schemas.microsoft.com/office/drawing/2014/main" val="20002"/>
+                    </a:ext>
+                  </a:extLst>
+                </a:gridCol>
+                <a:gridCol w="838200">
+                  <a:extLst>
+                    <a:ext uri="{9D8B030D-6E8A-4147-A177-3AD203B41FA5}">
+                      <a16:colId xmlns:a16="http://schemas.microsoft.com/office/drawing/2014/main" val="20003"/>
+                    </a:ext>
+                  </a:extLst>
+                </a:gridCol>
+                <a:gridCol w="832225">
+                  <a:extLst>
+                    <a:ext uri="{9D8B030D-6E8A-4147-A177-3AD203B41FA5}">
+                      <a16:colId xmlns:a16="http://schemas.microsoft.com/office/drawing/2014/main" val="20004"/>
+                    </a:ext>
+                  </a:extLst>
+                </a:gridCol>
               </a:tblGrid>
               <a:tr h="390525">
                 <a:tc>
@@ -7745,7 +7687,7 @@
                         <a:tabLst/>
                       </a:pPr>
                       <a:r>
-                        <a:rPr kumimoji="0" lang="en-US" sz="1800" b="1" u="none" strike="noStrike" kern="1200" cap="none" normalizeH="0" baseline="0" dirty="0" smtClean="0">
+                        <a:rPr kumimoji="0" lang="en-US" sz="1800" b="1" u="none" strike="noStrike" kern="1200" cap="none" normalizeH="0" baseline="0" dirty="0">
                           <a:ln>
                             <a:noFill/>
                           </a:ln>
@@ -7793,7 +7735,7 @@
                         <a:tabLst/>
                       </a:pPr>
                       <a:r>
-                        <a:rPr kumimoji="0" lang="en-US" sz="1800" b="1" u="none" strike="noStrike" kern="1200" cap="none" normalizeH="0" baseline="0" dirty="0" err="1" smtClean="0">
+                        <a:rPr kumimoji="0" lang="en-US" sz="1800" b="1" u="none" strike="noStrike" kern="1200" cap="none" normalizeH="0" baseline="0" dirty="0" err="1">
                           <a:ln>
                             <a:noFill/>
                           </a:ln>
@@ -7808,7 +7750,7 @@
                         <a:t>Int</a:t>
                       </a:r>
                       <a:r>
-                        <a:rPr kumimoji="0" lang="en-US" sz="1800" b="1" u="none" strike="noStrike" kern="1200" cap="none" normalizeH="0" baseline="0" dirty="0" smtClean="0">
+                        <a:rPr kumimoji="0" lang="en-US" sz="1800" b="1" u="none" strike="noStrike" kern="1200" cap="none" normalizeH="0" baseline="0" dirty="0">
                           <a:ln>
                             <a:noFill/>
                           </a:ln>
@@ -7823,7 +7765,7 @@
                         <a:t> (add/</a:t>
                       </a:r>
                       <a:r>
-                        <a:rPr kumimoji="0" lang="en-US" sz="1800" b="1" u="none" strike="noStrike" kern="1200" cap="none" normalizeH="0" baseline="0" dirty="0" err="1" smtClean="0">
+                        <a:rPr kumimoji="0" lang="en-US" sz="1800" b="1" u="none" strike="noStrike" kern="1200" cap="none" normalizeH="0" baseline="0" dirty="0" err="1">
                           <a:ln>
                             <a:noFill/>
                           </a:ln>
@@ -7838,7 +7780,7 @@
                         <a:t>mult</a:t>
                       </a:r>
                       <a:r>
-                        <a:rPr kumimoji="0" lang="en-US" sz="1800" b="1" u="none" strike="noStrike" kern="1200" cap="none" normalizeH="0" baseline="0" dirty="0" smtClean="0">
+                        <a:rPr kumimoji="0" lang="en-US" sz="1800" b="1" u="none" strike="noStrike" kern="1200" cap="none" normalizeH="0" baseline="0" dirty="0">
                           <a:ln>
                             <a:noFill/>
                           </a:ln>
@@ -7896,7 +7838,7 @@
                         <a:tabLst/>
                       </a:pPr>
                       <a:r>
-                        <a:rPr kumimoji="0" lang="en-US" sz="1800" b="1" u="none" strike="noStrike" kern="1200" cap="none" normalizeH="0" baseline="0" dirty="0" smtClean="0">
+                        <a:rPr kumimoji="0" lang="en-US" sz="1800" b="1" u="none" strike="noStrike" kern="1200" cap="none" normalizeH="0" baseline="0" dirty="0">
                           <a:ln>
                             <a:noFill/>
                           </a:ln>
@@ -7911,7 +7853,7 @@
                         <a:t>Float (add/</a:t>
                       </a:r>
                       <a:r>
-                        <a:rPr kumimoji="0" lang="en-US" sz="1800" b="1" u="none" strike="noStrike" kern="1200" cap="none" normalizeH="0" baseline="0" dirty="0" err="1" smtClean="0">
+                        <a:rPr kumimoji="0" lang="en-US" sz="1800" b="1" u="none" strike="noStrike" kern="1200" cap="none" normalizeH="0" baseline="0" dirty="0" err="1">
                           <a:ln>
                             <a:noFill/>
                           </a:ln>
@@ -7926,7 +7868,7 @@
                         <a:t>mult</a:t>
                       </a:r>
                       <a:r>
-                        <a:rPr kumimoji="0" lang="en-US" sz="1800" b="1" u="none" strike="noStrike" kern="1200" cap="none" normalizeH="0" baseline="0" dirty="0" smtClean="0">
+                        <a:rPr kumimoji="0" lang="en-US" sz="1800" b="1" u="none" strike="noStrike" kern="1200" cap="none" normalizeH="0" baseline="0" dirty="0">
                           <a:ln>
                             <a:noFill/>
                           </a:ln>
@@ -7960,6 +7902,11 @@
                   </a:txBody>
                   <a:tcPr/>
                 </a:tc>
+                <a:extLst>
+                  <a:ext uri="{0D108BD9-81ED-4DB2-BD59-A6C34878D82A}">
+                    <a16:rowId xmlns:a16="http://schemas.microsoft.com/office/drawing/2014/main" val="10000"/>
+                  </a:ext>
+                </a:extLst>
               </a:tr>
               <a:tr h="387350">
                 <a:tc>
@@ -7986,7 +7933,7 @@
                         <a:tabLst/>
                       </a:pPr>
                       <a:r>
-                        <a:rPr kumimoji="0" lang="en-US" sz="1800" u="none" strike="noStrike" kern="1200" cap="none" normalizeH="0" baseline="0" dirty="0" smtClean="0">
+                        <a:rPr kumimoji="0" lang="en-US" sz="1800" u="none" strike="noStrike" kern="1200" cap="none" normalizeH="0" baseline="0" dirty="0">
                           <a:ln>
                             <a:noFill/>
                           </a:ln>
@@ -7995,7 +7942,7 @@
                         </a:rPr>
                         <a:t>combine4</a:t>
                       </a:r>
-                      <a:endParaRPr kumimoji="0" lang="en-US" sz="1800" u="none" strike="noStrike" kern="1200" cap="none" normalizeH="0" baseline="0" dirty="0" smtClean="0">
+                      <a:endParaRPr kumimoji="0" lang="en-US" sz="1800" u="none" strike="noStrike" kern="1200" cap="none" normalizeH="0" baseline="0" dirty="0">
                         <a:ln>
                           <a:noFill/>
                         </a:ln>
@@ -8035,7 +7982,7 @@
                         <a:tabLst/>
                       </a:pPr>
                       <a:r>
-                        <a:rPr kumimoji="0" lang="en-US" sz="1800" u="none" strike="noStrike" kern="1200" cap="none" normalizeH="0" baseline="0" dirty="0" smtClean="0">
+                        <a:rPr kumimoji="0" lang="en-US" sz="1800" u="none" strike="noStrike" kern="1200" cap="none" normalizeH="0" baseline="0" dirty="0">
                           <a:ln>
                             <a:noFill/>
                           </a:ln>
@@ -8077,7 +8024,7 @@
                         <a:tabLst/>
                       </a:pPr>
                       <a:r>
-                        <a:rPr kumimoji="0" lang="en-US" sz="1800" u="none" strike="noStrike" kern="1200" cap="none" normalizeH="0" baseline="0" dirty="0" smtClean="0">
+                        <a:rPr kumimoji="0" lang="en-US" sz="1800" u="none" strike="noStrike" kern="1200" cap="none" normalizeH="0" baseline="0" dirty="0">
                           <a:ln>
                             <a:noFill/>
                           </a:ln>
@@ -8119,7 +8066,7 @@
                         <a:tabLst/>
                       </a:pPr>
                       <a:r>
-                        <a:rPr kumimoji="0" lang="en-US" sz="1800" u="none" strike="noStrike" kern="1200" cap="none" normalizeH="0" baseline="0" dirty="0" smtClean="0">
+                        <a:rPr kumimoji="0" lang="en-US" sz="1800" u="none" strike="noStrike" kern="1200" cap="none" normalizeH="0" baseline="0" dirty="0">
                           <a:ln>
                             <a:noFill/>
                           </a:ln>
@@ -8161,7 +8108,7 @@
                         <a:tabLst/>
                       </a:pPr>
                       <a:r>
-                        <a:rPr kumimoji="0" lang="en-US" sz="1800" u="none" strike="noStrike" kern="1200" cap="none" normalizeH="0" baseline="0" dirty="0" smtClean="0">
+                        <a:rPr kumimoji="0" lang="en-US" sz="1800" u="none" strike="noStrike" kern="1200" cap="none" normalizeH="0" baseline="0" dirty="0">
                           <a:ln>
                             <a:noFill/>
                           </a:ln>
@@ -8179,6 +8126,11 @@
                   </a:txBody>
                   <a:tcPr marL="45720" marR="45720" horzOverflow="overflow"/>
                 </a:tc>
+                <a:extLst>
+                  <a:ext uri="{0D108BD9-81ED-4DB2-BD59-A6C34878D82A}">
+                    <a16:rowId xmlns:a16="http://schemas.microsoft.com/office/drawing/2014/main" val="10001"/>
+                  </a:ext>
+                </a:extLst>
               </a:tr>
               <a:tr h="387350">
                 <a:tc>
@@ -8205,7 +8157,7 @@
                         <a:tabLst/>
                       </a:pPr>
                       <a:r>
-                        <a:rPr kumimoji="0" lang="en-US" sz="1800" u="none" strike="noStrike" kern="1200" cap="none" normalizeH="0" baseline="0" dirty="0" smtClean="0">
+                        <a:rPr kumimoji="0" lang="en-US" sz="1800" u="none" strike="noStrike" kern="1200" cap="none" normalizeH="0" baseline="0" dirty="0">
                           <a:ln>
                             <a:noFill/>
                           </a:ln>
@@ -8247,7 +8199,7 @@
                         <a:tabLst/>
                       </a:pPr>
                       <a:r>
-                        <a:rPr kumimoji="0" lang="en-US" sz="1800" u="none" strike="noStrike" kern="1200" cap="none" normalizeH="0" baseline="0" dirty="0" smtClean="0">
+                        <a:rPr kumimoji="0" lang="en-US" sz="1800" u="none" strike="noStrike" kern="1200" cap="none" normalizeH="0" baseline="0" dirty="0">
                           <a:ln>
                             <a:noFill/>
                           </a:ln>
@@ -8289,7 +8241,7 @@
                         <a:tabLst/>
                       </a:pPr>
                       <a:r>
-                        <a:rPr kumimoji="0" lang="en-US" sz="1800" u="none" strike="noStrike" kern="1200" cap="none" normalizeH="0" baseline="0" dirty="0" smtClean="0">
+                        <a:rPr kumimoji="0" lang="en-US" sz="1800" u="none" strike="noStrike" kern="1200" cap="none" normalizeH="0" baseline="0" dirty="0">
                           <a:ln>
                             <a:noFill/>
                           </a:ln>
@@ -8331,7 +8283,7 @@
                         <a:tabLst/>
                       </a:pPr>
                       <a:r>
-                        <a:rPr kumimoji="0" lang="en-US" sz="1800" u="none" strike="noStrike" kern="1200" cap="none" normalizeH="0" baseline="0" dirty="0" smtClean="0">
+                        <a:rPr kumimoji="0" lang="en-US" sz="1800" u="none" strike="noStrike" kern="1200" cap="none" normalizeH="0" baseline="0" dirty="0">
                           <a:ln>
                             <a:noFill/>
                           </a:ln>
@@ -8373,7 +8325,7 @@
                         <a:tabLst/>
                       </a:pPr>
                       <a:r>
-                        <a:rPr kumimoji="0" lang="en-US" sz="1800" u="none" strike="noStrike" kern="1200" cap="none" normalizeH="0" baseline="0" dirty="0" smtClean="0">
+                        <a:rPr kumimoji="0" lang="en-US" sz="1800" u="none" strike="noStrike" kern="1200" cap="none" normalizeH="0" baseline="0" dirty="0">
                           <a:ln>
                             <a:noFill/>
                           </a:ln>
@@ -8391,6 +8343,11 @@
                   </a:txBody>
                   <a:tcPr marL="45720" marR="45720" horzOverflow="overflow"/>
                 </a:tc>
+                <a:extLst>
+                  <a:ext uri="{0D108BD9-81ED-4DB2-BD59-A6C34878D82A}">
+                    <a16:rowId xmlns:a16="http://schemas.microsoft.com/office/drawing/2014/main" val="10002"/>
+                  </a:ext>
+                </a:extLst>
               </a:tr>
               <a:tr h="387350">
                 <a:tc>
@@ -8417,7 +8374,7 @@
                         <a:tabLst/>
                       </a:pPr>
                       <a:r>
-                        <a:rPr kumimoji="0" lang="en-US" sz="1800" u="none" strike="noStrike" kern="1200" cap="none" normalizeH="0" baseline="0" dirty="0" smtClean="0">
+                        <a:rPr kumimoji="0" lang="en-US" sz="1800" u="none" strike="noStrike" kern="1200" cap="none" normalizeH="0" baseline="0" dirty="0">
                           <a:ln>
                             <a:noFill/>
                           </a:ln>
@@ -8459,7 +8416,7 @@
                         <a:tabLst/>
                       </a:pPr>
                       <a:r>
-                        <a:rPr kumimoji="0" lang="en-US" sz="1800" u="none" strike="noStrike" kern="1200" cap="none" normalizeH="0" baseline="0" dirty="0" smtClean="0">
+                        <a:rPr kumimoji="0" lang="en-US" sz="1800" u="none" strike="noStrike" kern="1200" cap="none" normalizeH="0" baseline="0" dirty="0">
                           <a:ln>
                             <a:noFill/>
                           </a:ln>
@@ -8501,7 +8458,7 @@
                         <a:tabLst/>
                       </a:pPr>
                       <a:r>
-                        <a:rPr kumimoji="0" lang="en-US" sz="1800" u="none" strike="noStrike" kern="1200" cap="none" normalizeH="0" baseline="0" dirty="0" smtClean="0">
+                        <a:rPr kumimoji="0" lang="en-US" sz="1800" u="none" strike="noStrike" kern="1200" cap="none" normalizeH="0" baseline="0" dirty="0">
                           <a:ln>
                             <a:noFill/>
                           </a:ln>
@@ -8543,7 +8500,7 @@
                         <a:tabLst/>
                       </a:pPr>
                       <a:r>
-                        <a:rPr kumimoji="0" lang="en-US" sz="1800" u="none" strike="noStrike" kern="1200" cap="none" normalizeH="0" baseline="0" dirty="0" smtClean="0">
+                        <a:rPr kumimoji="0" lang="en-US" sz="1800" u="none" strike="noStrike" kern="1200" cap="none" normalizeH="0" baseline="0" dirty="0">
                           <a:ln>
                             <a:noFill/>
                           </a:ln>
@@ -8585,7 +8542,7 @@
                         <a:tabLst/>
                       </a:pPr>
                       <a:r>
-                        <a:rPr kumimoji="0" lang="en-US" sz="1800" u="none" strike="noStrike" kern="1200" cap="none" normalizeH="0" baseline="0" dirty="0" smtClean="0">
+                        <a:rPr kumimoji="0" lang="en-US" sz="1800" u="none" strike="noStrike" kern="1200" cap="none" normalizeH="0" baseline="0" dirty="0">
                           <a:ln>
                             <a:noFill/>
                           </a:ln>
@@ -8603,6 +8560,11 @@
                   </a:txBody>
                   <a:tcPr marL="45720" marR="45720" horzOverflow="overflow"/>
                 </a:tc>
+                <a:extLst>
+                  <a:ext uri="{0D108BD9-81ED-4DB2-BD59-A6C34878D82A}">
+                    <a16:rowId xmlns:a16="http://schemas.microsoft.com/office/drawing/2014/main" val="10003"/>
+                  </a:ext>
+                </a:extLst>
               </a:tr>
               <a:tr h="387350">
                 <a:tc>
@@ -8629,7 +8591,7 @@
                         <a:tabLst/>
                       </a:pPr>
                       <a:r>
-                        <a:rPr kumimoji="0" lang="en-US" sz="1800" u="none" strike="noStrike" kern="1200" cap="none" normalizeH="0" baseline="0" dirty="0" smtClean="0">
+                        <a:rPr kumimoji="0" lang="en-US" sz="1800" u="none" strike="noStrike" kern="1200" cap="none" normalizeH="0" baseline="0" dirty="0">
                           <a:ln>
                             <a:noFill/>
                           </a:ln>
@@ -8638,7 +8600,7 @@
                         </a:rPr>
                         <a:t>bound</a:t>
                       </a:r>
-                      <a:endParaRPr kumimoji="0" lang="en-US" sz="1800" u="none" strike="noStrike" kern="1200" cap="none" normalizeH="0" baseline="0" dirty="0" smtClean="0">
+                      <a:endParaRPr kumimoji="0" lang="en-US" sz="1800" u="none" strike="noStrike" kern="1200" cap="none" normalizeH="0" baseline="0" dirty="0">
                         <a:ln>
                           <a:noFill/>
                         </a:ln>
@@ -8682,7 +8644,7 @@
                         <a:tabLst/>
                       </a:pPr>
                       <a:r>
-                        <a:rPr kumimoji="0" lang="en-US" sz="1800" u="none" strike="noStrike" kern="1200" cap="none" normalizeH="0" baseline="0" dirty="0" smtClean="0">
+                        <a:rPr kumimoji="0" lang="en-US" sz="1800" u="none" strike="noStrike" kern="1200" cap="none" normalizeH="0" baseline="0" dirty="0">
                           <a:ln>
                             <a:noFill/>
                           </a:ln>
@@ -8728,7 +8690,7 @@
                         <a:tabLst/>
                       </a:pPr>
                       <a:r>
-                        <a:rPr kumimoji="0" lang="en-US" sz="1800" u="none" strike="noStrike" kern="1200" cap="none" normalizeH="0" baseline="0" dirty="0" smtClean="0">
+                        <a:rPr kumimoji="0" lang="en-US" sz="1800" u="none" strike="noStrike" kern="1200" cap="none" normalizeH="0" baseline="0" dirty="0">
                           <a:ln>
                             <a:noFill/>
                           </a:ln>
@@ -8774,7 +8736,7 @@
                         <a:tabLst/>
                       </a:pPr>
                       <a:r>
-                        <a:rPr kumimoji="0" lang="en-US" sz="1800" u="none" strike="noStrike" kern="1200" cap="none" normalizeH="0" baseline="0" dirty="0" smtClean="0">
+                        <a:rPr kumimoji="0" lang="en-US" sz="1800" u="none" strike="noStrike" kern="1200" cap="none" normalizeH="0" baseline="0" dirty="0">
                           <a:ln>
                             <a:noFill/>
                           </a:ln>
@@ -8820,7 +8782,7 @@
                         <a:tabLst/>
                       </a:pPr>
                       <a:r>
-                        <a:rPr kumimoji="0" lang="en-US" sz="1800" u="none" strike="noStrike" kern="1200" cap="none" normalizeH="0" baseline="0" dirty="0" smtClean="0">
+                        <a:rPr kumimoji="0" lang="en-US" sz="1800" u="none" strike="noStrike" kern="1200" cap="none" normalizeH="0" baseline="0" dirty="0">
                           <a:ln>
                             <a:noFill/>
                           </a:ln>
@@ -8842,6 +8804,11 @@
                     </a:solidFill>
                   </a:tcPr>
                 </a:tc>
+                <a:extLst>
+                  <a:ext uri="{0D108BD9-81ED-4DB2-BD59-A6C34878D82A}">
+                    <a16:rowId xmlns:a16="http://schemas.microsoft.com/office/drawing/2014/main" val="10004"/>
+                  </a:ext>
+                </a:extLst>
               </a:tr>
             </a:tbl>
           </a:graphicData>
@@ -8889,7 +8856,7 @@
               <a:defRPr/>
             </a:pPr>
             <a:r>
-              <a:rPr lang="en-US" kern="0" dirty="0" smtClean="0">
+              <a:rPr lang="en-US" kern="0" dirty="0">
                 <a:solidFill>
                   <a:srgbClr val="000000"/>
                 </a:solidFill>
@@ -8918,7 +8885,7 @@
               <a:defRPr/>
             </a:pPr>
             <a:r>
-              <a:rPr lang="en-US" sz="1800" i="1" kern="0" dirty="0" smtClean="0">
+              <a:rPr lang="en-US" sz="1800" i="1" kern="0" dirty="0">
                 <a:solidFill>
                   <a:srgbClr val="C00000"/>
                 </a:solidFill>
@@ -8947,7 +8914,7 @@
               <a:defRPr/>
             </a:pPr>
             <a:r>
-              <a:rPr lang="en-US" sz="1800" b="0" kern="0" dirty="0" smtClean="0">
+              <a:rPr lang="en-US" sz="1800" b="0" kern="0" dirty="0">
                 <a:solidFill>
                   <a:srgbClr val="000000"/>
                 </a:solidFill>
@@ -8976,7 +8943,7 @@
               <a:defRPr/>
             </a:pPr>
             <a:r>
-              <a:rPr lang="en-US" sz="1800" b="0" kern="0" dirty="0" smtClean="0">
+              <a:rPr lang="en-US" sz="1800" b="0" kern="0" dirty="0">
                 <a:solidFill>
                   <a:srgbClr val="000000"/>
                 </a:solidFill>
@@ -9005,7 +8972,7 @@
               <a:defRPr/>
             </a:pPr>
             <a:r>
-              <a:rPr lang="en-US" sz="1800" kern="0" dirty="0" smtClean="0">
+              <a:rPr lang="en-US" sz="1800" kern="0" dirty="0">
                 <a:solidFill>
                   <a:srgbClr val="000000"/>
                 </a:solidFill>
@@ -9034,7 +9001,7 @@
               <a:defRPr/>
             </a:pPr>
             <a:r>
-              <a:rPr lang="en-US" sz="1800" b="0" kern="0" dirty="0" smtClean="0">
+              <a:rPr lang="en-US" sz="1800" b="0" kern="0" dirty="0">
                 <a:solidFill>
                   <a:srgbClr val="000000"/>
                 </a:solidFill>
@@ -9063,7 +9030,7 @@
               <a:defRPr/>
             </a:pPr>
             <a:r>
-              <a:rPr lang="en-US" sz="1800" b="0" kern="0" dirty="0" smtClean="0">
+              <a:rPr lang="en-US" sz="1800" b="0" kern="0" dirty="0">
                 <a:solidFill>
                   <a:srgbClr val="000000"/>
                 </a:solidFill>
@@ -9092,7 +9059,7 @@
               <a:defRPr/>
             </a:pPr>
             <a:r>
-              <a:rPr lang="en-US" sz="1800" kern="0" dirty="0" smtClean="0">
+              <a:rPr lang="en-US" sz="1800" kern="0" dirty="0">
                 <a:solidFill>
                   <a:srgbClr val="000000"/>
                 </a:solidFill>
@@ -9111,7 +9078,7 @@
   <p:timing>
     <p:tnLst>
       <p:par>
-        <p:cTn xmlns:p14="http://schemas.microsoft.com/office/powerpoint/2010/main" id="1" dur="indefinite" restart="never" nodeType="tmRoot">
+        <p:cTn id="1" dur="indefinite" restart="never" nodeType="tmRoot">
           <p:childTnLst>
             <p:seq concurrent="1" nextAc="seek">
               <p:cTn id="2" dur="indefinite" nodeType="mainSeq">
@@ -9249,10 +9216,9 @@
           <a:lstStyle/>
           <a:p>
             <a:r>
-              <a:rPr lang="en-US" dirty="0" smtClean="0"/>
+              <a:rPr lang="en-US" dirty="0"/>
               <a:t>Color Palette</a:t>
             </a:r>
-            <a:endParaRPr lang="en-US" dirty="0"/>
           </a:p>
         </p:txBody>
       </p:sp>
@@ -9272,79 +9238,79 @@
           <a:lstStyle/>
           <a:p>
             <a:r>
-              <a:rPr lang="en-US" dirty="0" smtClean="0"/>
+              <a:rPr lang="en-US" dirty="0"/>
               <a:t>Boxes/areas:</a:t>
             </a:r>
           </a:p>
           <a:p>
             <a:pPr lvl="1"/>
             <a:r>
-              <a:rPr lang="en-US" dirty="0" smtClean="0"/>
+              <a:rPr lang="en-US" dirty="0"/>
               <a:t>Assembly, memory, …</a:t>
             </a:r>
           </a:p>
           <a:p>
             <a:pPr lvl="1"/>
             <a:r>
-              <a:rPr lang="en-US" dirty="0" smtClean="0"/>
+              <a:rPr lang="en-US" dirty="0"/>
               <a:t>Linux, memory, …</a:t>
             </a:r>
           </a:p>
           <a:p>
             <a:pPr lvl="1"/>
             <a:r>
-              <a:rPr lang="en-US" dirty="0" smtClean="0"/>
+              <a:rPr lang="en-US" dirty="0"/>
               <a:t>Code, …</a:t>
             </a:r>
           </a:p>
           <a:p>
             <a:pPr lvl="1"/>
             <a:r>
-              <a:rPr lang="en-US" dirty="0" smtClean="0"/>
+              <a:rPr lang="en-US" dirty="0"/>
               <a:t>Code, registers, …</a:t>
             </a:r>
           </a:p>
           <a:p>
             <a:pPr lvl="1"/>
             <a:r>
-              <a:rPr lang="en-US" dirty="0" smtClean="0"/>
+              <a:rPr lang="en-US" dirty="0"/>
               <a:t>Registers, …</a:t>
             </a:r>
           </a:p>
           <a:p>
             <a:pPr lvl="1"/>
             <a:r>
-              <a:rPr lang="en-US" dirty="0" smtClean="0"/>
+              <a:rPr lang="en-US" dirty="0"/>
               <a:t>Memory, …</a:t>
             </a:r>
           </a:p>
           <a:p>
             <a:pPr lvl="1"/>
             <a:r>
-              <a:rPr lang="en-US" dirty="0" smtClean="0"/>
+              <a:rPr lang="en-US" dirty="0"/>
               <a:t>Memory, …</a:t>
             </a:r>
           </a:p>
           <a:p>
             <a:pPr lvl="1"/>
-            <a:endParaRPr lang="en-US" dirty="0" smtClean="0"/>
-          </a:p>
-          <a:p>
-            <a:r>
-              <a:rPr lang="en-US" dirty="0" smtClean="0"/>
+            <a:endParaRPr lang="en-US" dirty="0"/>
+          </a:p>
+          <a:p>
+            <a:r>
+              <a:rPr lang="en-US" dirty="0"/>
               <a:t>Occasionally I use darker versions of the colors above</a:t>
             </a:r>
           </a:p>
           <a:p>
             <a:r>
-              <a:rPr lang="en-US" dirty="0" smtClean="0"/>
+              <a:rPr lang="en-US" dirty="0"/>
               <a:t>Text:</a:t>
             </a:r>
           </a:p>
           <a:p>
             <a:pPr lvl="1"/>
             <a:r>
-              <a:rPr lang="en-US" dirty="0" smtClean="0">
+              <a:rPr lang="en-US" dirty="0">
                 <a:solidFill>
                   <a:srgbClr val="C00000"/>
                 </a:solidFill>
@@ -9352,14 +9318,14 @@
               <a:t>Emphasizing</a:t>
             </a:r>
             <a:r>
-              <a:rPr lang="en-US" dirty="0" smtClean="0"/>
+              <a:rPr lang="en-US" dirty="0"/>
               <a:t> something in the text</a:t>
             </a:r>
           </a:p>
           <a:p>
             <a:pPr lvl="1"/>
             <a:r>
-              <a:rPr lang="en-US" dirty="0" smtClean="0">
+              <a:rPr lang="en-US" dirty="0">
                 <a:solidFill>
                   <a:srgbClr val="990000"/>
                 </a:solidFill>
@@ -9367,10 +9333,9 @@
               <a:t>Comments</a:t>
             </a:r>
             <a:r>
-              <a:rPr lang="en-US" dirty="0" smtClean="0"/>
+              <a:rPr lang="en-US" dirty="0"/>
               <a:t> inside yellow code boxes</a:t>
             </a:r>
-            <a:endParaRPr lang="en-US" dirty="0"/>
           </a:p>
         </p:txBody>
       </p:sp>
@@ -9700,7 +9665,7 @@
   <p:timing>
     <p:tnLst>
       <p:par>
-        <p:cTn xmlns:p14="http://schemas.microsoft.com/office/powerpoint/2010/main" id="1" dur="indefinite" restart="never" nodeType="tmRoot">
+        <p:cTn id="1" dur="indefinite" restart="never" nodeType="tmRoot">
           <p:childTnLst>
             <p:seq concurrent="1" nextAc="seek">
               <p:cTn id="2" dur="indefinite" nodeType="mainSeq">
@@ -9979,10 +9944,9 @@
           <a:lstStyle/>
           <a:p>
             <a:r>
-              <a:rPr lang="en-US" dirty="0" smtClean="0"/>
+              <a:rPr lang="en-US" dirty="0"/>
               <a:t>On the Design</a:t>
             </a:r>
-            <a:endParaRPr lang="en-US" dirty="0"/>
           </a:p>
         </p:txBody>
       </p:sp>
@@ -10007,107 +9971,106 @@
           <a:lstStyle/>
           <a:p>
             <a:r>
-              <a:rPr lang="en-US" dirty="0" smtClean="0"/>
+              <a:rPr lang="en-US" dirty="0"/>
               <a:t>All slides are in </a:t>
             </a:r>
             <a:r>
-              <a:rPr lang="en-US" dirty="0" err="1" smtClean="0"/>
+              <a:rPr lang="en-US" dirty="0" err="1"/>
               <a:t>Powerpoint</a:t>
             </a:r>
             <a:r>
-              <a:rPr lang="en-US" dirty="0" smtClean="0"/>
+              <a:rPr lang="en-US" dirty="0"/>
               <a:t> 2007 (mix of PC and Mac versions)</a:t>
             </a:r>
           </a:p>
           <a:p>
             <a:r>
-              <a:rPr lang="en-US" dirty="0" smtClean="0"/>
+              <a:rPr lang="en-US" dirty="0"/>
               <a:t>Probably could be edited using </a:t>
             </a:r>
             <a:r>
-              <a:rPr lang="en-US" dirty="0" err="1" smtClean="0"/>
+              <a:rPr lang="en-US" dirty="0" err="1"/>
               <a:t>Powerpoint</a:t>
             </a:r>
             <a:r>
-              <a:rPr lang="en-US" dirty="0" smtClean="0"/>
+              <a:rPr lang="en-US" dirty="0"/>
               <a:t> 2003 plus</a:t>
             </a:r>
           </a:p>
           <a:p>
             <a:pPr lvl="1"/>
             <a:r>
-              <a:rPr lang="en-US" dirty="0" smtClean="0">
+              <a:rPr lang="en-US" dirty="0">
                 <a:hlinkClick r:id="rId2"/>
               </a:rPr>
               <a:t>File format </a:t>
             </a:r>
             <a:r>
-              <a:rPr lang="en-US" dirty="0" err="1" smtClean="0">
+              <a:rPr lang="en-US" dirty="0" err="1">
                 <a:hlinkClick r:id="rId2"/>
               </a:rPr>
               <a:t>plugin</a:t>
             </a:r>
-            <a:endParaRPr lang="en-US" dirty="0" smtClean="0"/>
+            <a:endParaRPr lang="en-US" dirty="0"/>
           </a:p>
           <a:p>
             <a:pPr lvl="1"/>
             <a:r>
-              <a:rPr lang="en-US" dirty="0" smtClean="0">
+              <a:rPr lang="en-US" dirty="0">
                 <a:hlinkClick r:id="rId3"/>
               </a:rPr>
               <a:t>Calibri font</a:t>
             </a:r>
-            <a:endParaRPr lang="en-US" dirty="0" smtClean="0"/>
+            <a:endParaRPr lang="en-US" dirty="0"/>
           </a:p>
           <a:p>
             <a:pPr lvl="1"/>
             <a:r>
-              <a:rPr lang="en-US" dirty="0" smtClean="0"/>
+              <a:rPr lang="en-US" dirty="0"/>
               <a:t>I would still recommend to use 2007 for editing</a:t>
             </a:r>
           </a:p>
           <a:p>
             <a:r>
-              <a:rPr lang="en-US" dirty="0" smtClean="0"/>
+              <a:rPr lang="en-US" dirty="0"/>
               <a:t>Design is suitable for printing out slides</a:t>
             </a:r>
           </a:p>
           <a:p>
             <a:pPr lvl="1"/>
             <a:r>
-              <a:rPr lang="en-US" dirty="0" smtClean="0"/>
+              <a:rPr lang="en-US" dirty="0"/>
               <a:t>Only light colors, in particular for boxes</a:t>
             </a:r>
           </a:p>
           <a:p>
             <a:r>
-              <a:rPr lang="en-US" dirty="0" smtClean="0"/>
+              <a:rPr lang="en-US" dirty="0"/>
               <a:t>Some slides have covered areas (that disappear later) suitable for quizzing in class</a:t>
             </a:r>
           </a:p>
           <a:p>
             <a:r>
-              <a:rPr lang="en-US" dirty="0" smtClean="0"/>
+              <a:rPr lang="en-US" dirty="0"/>
               <a:t>The design follows the </a:t>
             </a:r>
             <a:r>
-              <a:rPr lang="en-US" dirty="0" smtClean="0">
+              <a:rPr lang="en-US" dirty="0">
                 <a:hlinkClick r:id="rId4"/>
               </a:rPr>
               <a:t>Small Guide to Giving Presentations</a:t>
             </a:r>
-            <a:endParaRPr lang="en-US" dirty="0" smtClean="0"/>
+            <a:endParaRPr lang="en-US" dirty="0"/>
           </a:p>
           <a:p>
             <a:pPr lvl="1"/>
-            <a:endParaRPr lang="en-US" dirty="0" smtClean="0"/>
-          </a:p>
-          <a:p>
-            <a:r>
-              <a:rPr lang="en-US" dirty="0" smtClean="0"/>
+            <a:endParaRPr lang="en-US" dirty="0"/>
+          </a:p>
+          <a:p>
+            <a:r>
+              <a:rPr lang="en-US" dirty="0"/>
               <a:t>Next slides: Color/format conventions</a:t>
             </a:r>
-            <a:endParaRPr lang="en-US" dirty="0"/>
           </a:p>
         </p:txBody>
       </p:sp>
@@ -10116,13 +10079,6 @@
   <p:clrMapOvr>
     <a:masterClrMapping/>
   </p:clrMapOvr>
-  <p:timing>
-    <p:tnLst>
-      <p:par>
-        <p:cTn xmlns:p14="http://schemas.microsoft.com/office/powerpoint/2010/main" id="1" dur="indefinite" restart="never" nodeType="tmRoot"/>
-      </p:par>
-    </p:tnLst>
-  </p:timing>
 </p:sld>
 </file>
 
@@ -10165,40 +10121,32 @@
           <a:p>
             <a:pPr marL="0" indent="0"/>
             <a:r>
-              <a:rPr lang="en-US" dirty="0" smtClean="0"/>
+              <a:rPr lang="en-US" dirty="0"/>
               <a:t>System-Level I/O</a:t>
             </a:r>
             <a:br>
-              <a:rPr lang="en-US" dirty="0" smtClean="0"/>
+              <a:rPr lang="en-US" dirty="0"/>
             </a:br>
-            <a:r>
-              <a:rPr lang="en-US" dirty="0" smtClean="0"/>
-              <a:t/>
-            </a:r>
             <a:br>
-              <a:rPr lang="en-US" dirty="0" smtClean="0"/>
+              <a:rPr lang="en-US" dirty="0"/>
             </a:br>
             <a:r>
-              <a:rPr lang="en-US" sz="2000" b="0" dirty="0" smtClean="0"/>
+              <a:rPr lang="en-US" sz="2000" b="0" dirty="0"/>
               <a:t>15-213/18-243: Introduction to Computer Systems	</a:t>
             </a:r>
-            <a:r>
-              <a:rPr lang="en-US" b="0" dirty="0" smtClean="0"/>
-              <a:t/>
-            </a:r>
             <a:br>
-              <a:rPr lang="en-US" b="0" dirty="0" smtClean="0"/>
+              <a:rPr lang="en-US" b="0" dirty="0"/>
             </a:br>
             <a:r>
-              <a:rPr lang="en-US" sz="2000" b="0" dirty="0" smtClean="0"/>
+              <a:rPr lang="en-US" sz="2000" b="0" dirty="0"/>
               <a:t>14</a:t>
             </a:r>
             <a:r>
-              <a:rPr lang="en-US" sz="2000" b="0" baseline="30000" dirty="0" smtClean="0"/>
+              <a:rPr lang="en-US" sz="2000" b="0" baseline="30000" dirty="0"/>
               <a:t>th</a:t>
             </a:r>
             <a:r>
-              <a:rPr lang="en-US" sz="2000" b="0" dirty="0" smtClean="0"/>
+              <a:rPr lang="en-US" sz="2000" b="0" dirty="0"/>
               <a:t> Lecture, Oct. 12, 2010</a:t>
             </a:r>
           </a:p>
@@ -10225,24 +10173,24 @@
           <a:lstStyle/>
           <a:p>
             <a:r>
-              <a:rPr lang="en-US" b="1" dirty="0" smtClean="0"/>
+              <a:rPr lang="en-US" b="1" dirty="0"/>
               <a:t>Instructors:</a:t>
             </a:r>
             <a:r>
-              <a:rPr lang="en-US" dirty="0" smtClean="0"/>
+              <a:rPr lang="en-US" dirty="0"/>
               <a:t> </a:t>
             </a:r>
           </a:p>
           <a:p>
             <a:r>
-              <a:rPr lang="en-US" dirty="0" smtClean="0"/>
+              <a:rPr lang="en-US" dirty="0"/>
               <a:t>Randy Bryant and Dave </a:t>
             </a:r>
             <a:r>
-              <a:rPr lang="en-US" dirty="0" err="1" smtClean="0"/>
+              <a:rPr lang="en-US" dirty="0" err="1"/>
               <a:t>O’Hallaron</a:t>
             </a:r>
-            <a:endParaRPr lang="en-US" dirty="0" smtClean="0"/>
+            <a:endParaRPr lang="en-US" dirty="0"/>
           </a:p>
         </p:txBody>
       </p:sp>
@@ -10277,7 +10225,7 @@
           <a:p>
             <a:pPr algn="r"/>
             <a:r>
-              <a:rPr lang="en-US" sz="1800" i="1" dirty="0" smtClean="0">
+              <a:rPr lang="en-US" sz="1800" i="1" dirty="0">
                 <a:latin typeface="Calibri" pitchFamily="34" charset="0"/>
               </a:rPr>
               <a:t>Style for title slides</a:t>
@@ -10290,14 +10238,7 @@
   <p:clrMapOvr>
     <a:masterClrMapping/>
   </p:clrMapOvr>
-  <p:transition xmlns:p14="http://schemas.microsoft.com/office/powerpoint/2010/main"/>
-  <p:timing>
-    <p:tnLst>
-      <p:par>
-        <p:cTn xmlns:p14="http://schemas.microsoft.com/office/powerpoint/2010/main" id="1" dur="indefinite" restart="never" nodeType="tmRoot"/>
-      </p:par>
-    </p:tnLst>
-  </p:timing>
+  <p:transition/>
 </p:sld>
 </file>
 
@@ -10334,10 +10275,9 @@
           <a:lstStyle/>
           <a:p>
             <a:r>
-              <a:rPr lang="en-US" dirty="0" smtClean="0"/>
+              <a:rPr lang="en-US" dirty="0"/>
               <a:t>Today</a:t>
             </a:r>
-            <a:endParaRPr lang="en-US" dirty="0"/>
           </a:p>
         </p:txBody>
       </p:sp>
@@ -10357,7 +10297,7 @@
           <a:lstStyle/>
           <a:p>
             <a:r>
-              <a:rPr lang="en-US" dirty="0" smtClean="0">
+              <a:rPr lang="en-US" dirty="0">
                 <a:solidFill>
                   <a:srgbClr val="7F7F7F"/>
                 </a:solidFill>
@@ -10367,7 +10307,7 @@
           </a:p>
           <a:p>
             <a:r>
-              <a:rPr lang="en-US" dirty="0" smtClean="0">
+              <a:rPr lang="en-US" dirty="0">
                 <a:solidFill>
                   <a:schemeClr val="bg1">
                     <a:lumMod val="50000"/>
@@ -10379,13 +10319,13 @@
           </a:p>
           <a:p>
             <a:r>
-              <a:rPr lang="en-US" dirty="0" smtClean="0"/>
+              <a:rPr lang="en-US" dirty="0"/>
               <a:t>Metadata, sharing, and redirection</a:t>
             </a:r>
           </a:p>
           <a:p>
             <a:r>
-              <a:rPr lang="en-US" dirty="0" smtClean="0">
+              <a:rPr lang="en-US" dirty="0">
                 <a:solidFill>
                   <a:schemeClr val="bg1">
                     <a:lumMod val="50000"/>
@@ -10397,7 +10337,7 @@
           </a:p>
           <a:p>
             <a:r>
-              <a:rPr lang="en-US" dirty="0" smtClean="0">
+              <a:rPr lang="en-US" dirty="0">
                 <a:solidFill>
                   <a:schemeClr val="bg1">
                     <a:lumMod val="50000"/>
@@ -10406,13 +10346,6 @@
               </a:rPr>
               <a:t>Conclusions and examples</a:t>
             </a:r>
-            <a:endParaRPr lang="en-US" dirty="0">
-              <a:solidFill>
-                <a:schemeClr val="bg1">
-                  <a:lumMod val="50000"/>
-                </a:schemeClr>
-              </a:solidFill>
-            </a:endParaRPr>
           </a:p>
         </p:txBody>
       </p:sp>
@@ -10447,7 +10380,7 @@
           <a:p>
             <a:pPr algn="r"/>
             <a:r>
-              <a:rPr lang="en-US" sz="1800" i="1" dirty="0" smtClean="0">
+              <a:rPr lang="en-US" sz="1800" i="1" dirty="0">
                 <a:latin typeface="Calibri" pitchFamily="34" charset="0"/>
               </a:rPr>
               <a:t>Style for outlining</a:t>
@@ -10460,13 +10393,6 @@
   <p:clrMapOvr>
     <a:masterClrMapping/>
   </p:clrMapOvr>
-  <p:timing>
-    <p:tnLst>
-      <p:par>
-        <p:cTn xmlns:p14="http://schemas.microsoft.com/office/powerpoint/2010/main" id="1" dur="indefinite" restart="never" nodeType="tmRoot"/>
-      </p:par>
-    </p:tnLst>
-  </p:timing>
 </p:sld>
 </file>
 
@@ -10503,10 +10429,9 @@
           <a:lstStyle/>
           <a:p>
             <a:r>
-              <a:rPr lang="en-GB" dirty="0" smtClean="0"/>
+              <a:rPr lang="en-GB" dirty="0"/>
               <a:t>Style for Figure Labels</a:t>
             </a:r>
-            <a:endParaRPr lang="en-GB" dirty="0"/>
           </a:p>
         </p:txBody>
       </p:sp>
@@ -10526,24 +10451,23 @@
           <a:lstStyle/>
           <a:p>
             <a:r>
-              <a:rPr lang="en-US" dirty="0" smtClean="0"/>
+              <a:rPr lang="en-US" dirty="0"/>
               <a:t>Capitalize only the first word in each figure label</a:t>
             </a:r>
           </a:p>
           <a:p>
             <a:pPr lvl="1"/>
             <a:r>
-              <a:rPr lang="en-US" dirty="0" smtClean="0"/>
+              <a:rPr lang="en-US" dirty="0"/>
               <a:t>E.g., “Payload and padding”, not “Payload and Padding”, or “payload and padding”</a:t>
             </a:r>
           </a:p>
           <a:p>
             <a:pPr lvl="1"/>
             <a:r>
-              <a:rPr lang="en-US" dirty="0" smtClean="0"/>
+              <a:rPr lang="en-US" dirty="0"/>
               <a:t>This is the same style convention that we used in CS:APP2e.</a:t>
             </a:r>
-            <a:endParaRPr lang="en-US" dirty="0"/>
           </a:p>
         </p:txBody>
       </p:sp>
@@ -10606,14 +10530,11 @@
               <a:t>S</a:t>
             </a:r>
             <a:r>
-              <a:rPr lang="en-GB" sz="1600" b="1" dirty="0" smtClean="0">
+              <a:rPr lang="en-GB" sz="1600" b="1" dirty="0">
                 <a:latin typeface="Calibri" pitchFamily="34" charset="0"/>
               </a:rPr>
               <a:t>ize</a:t>
             </a:r>
-            <a:endParaRPr lang="en-GB" sz="1600" b="1" dirty="0">
-              <a:latin typeface="Calibri" pitchFamily="34" charset="0"/>
-            </a:endParaRPr>
           </a:p>
         </p:txBody>
       </p:sp>
@@ -10807,16 +10728,10 @@
               <a:t>P</a:t>
             </a:r>
             <a:r>
-              <a:rPr lang="en-GB" sz="1600" b="1" dirty="0" smtClean="0">
-                <a:latin typeface="Calibri" pitchFamily="34" charset="0"/>
-              </a:rPr>
-              <a:t>ayload </a:t>
-            </a:r>
-            <a:r>
               <a:rPr lang="en-GB" sz="1600" b="1" dirty="0">
                 <a:latin typeface="Calibri" pitchFamily="34" charset="0"/>
               </a:rPr>
-              <a:t>and</a:t>
+              <a:t>ayload and</a:t>
             </a:r>
           </a:p>
           <a:p>
@@ -10902,19 +10817,7 @@
               <a:rPr lang="en-GB" sz="1600" b="1" dirty="0">
                 <a:latin typeface="Calibri" pitchFamily="34" charset="0"/>
               </a:rPr>
-              <a:t>a = 1:</a:t>
-            </a:r>
-            <a:r>
-              <a:rPr lang="en-GB" sz="1600" b="1" dirty="0" smtClean="0">
-                <a:latin typeface="Calibri" pitchFamily="34" charset="0"/>
-              </a:rPr>
-              <a:t> Allocated </a:t>
-            </a:r>
-            <a:r>
-              <a:rPr lang="en-GB" sz="1600" b="1" dirty="0">
-                <a:latin typeface="Calibri" pitchFamily="34" charset="0"/>
-              </a:rPr>
-              <a:t>block  </a:t>
+              <a:t>a = 1: Allocated block  </a:t>
             </a:r>
           </a:p>
           <a:p>
@@ -10941,19 +10844,7 @@
               <a:rPr lang="en-GB" sz="1600" b="1" dirty="0">
                 <a:latin typeface="Calibri" pitchFamily="34" charset="0"/>
               </a:rPr>
-              <a:t>a = 0:</a:t>
-            </a:r>
-            <a:r>
-              <a:rPr lang="en-GB" sz="1600" b="1" dirty="0" smtClean="0">
-                <a:latin typeface="Calibri" pitchFamily="34" charset="0"/>
-              </a:rPr>
-              <a:t> Free </a:t>
-            </a:r>
-            <a:r>
-              <a:rPr lang="en-GB" sz="1600" b="1" dirty="0">
-                <a:latin typeface="Calibri" pitchFamily="34" charset="0"/>
-              </a:rPr>
-              <a:t>block</a:t>
+              <a:t>a = 0: Free block</a:t>
             </a:r>
           </a:p>
           <a:p>
@@ -10976,7 +10867,7 @@
                 <a:tab pos="10058400" algn="l"/>
               </a:tabLst>
             </a:pPr>
-            <a:endParaRPr lang="en-GB" sz="1600" b="1" dirty="0" smtClean="0">
+            <a:endParaRPr lang="en-GB" sz="1600" b="1" dirty="0">
               <a:latin typeface="Calibri" pitchFamily="34" charset="0"/>
             </a:endParaRPr>
           </a:p>
@@ -11007,28 +10898,10 @@
               <a:t>S</a:t>
             </a:r>
             <a:r>
-              <a:rPr lang="en-GB" sz="1600" b="1" dirty="0" smtClean="0">
-                <a:latin typeface="Calibri" pitchFamily="34" charset="0"/>
-              </a:rPr>
-              <a:t>ize</a:t>
-            </a:r>
-            <a:r>
               <a:rPr lang="en-GB" sz="1600" b="1" dirty="0">
                 <a:latin typeface="Calibri" pitchFamily="34" charset="0"/>
               </a:rPr>
-              <a:t>:</a:t>
-            </a:r>
-            <a:r>
-              <a:rPr lang="en-GB" sz="1600" b="1" dirty="0" smtClean="0">
-                <a:latin typeface="Calibri" pitchFamily="34" charset="0"/>
-              </a:rPr>
-              <a:t> Total </a:t>
-            </a:r>
-            <a:r>
-              <a:rPr lang="en-GB" sz="1600" b="1" dirty="0">
-                <a:latin typeface="Calibri" pitchFamily="34" charset="0"/>
-              </a:rPr>
-              <a:t>block size</a:t>
+              <a:t>ize: Total block size</a:t>
             </a:r>
           </a:p>
           <a:p>
@@ -11051,7 +10924,7 @@
                 <a:tab pos="10058400" algn="l"/>
               </a:tabLst>
             </a:pPr>
-            <a:endParaRPr lang="en-GB" sz="1600" b="1" dirty="0" smtClean="0">
+            <a:endParaRPr lang="en-GB" sz="1600" b="1" dirty="0">
               <a:latin typeface="Calibri" pitchFamily="34" charset="0"/>
             </a:endParaRPr>
           </a:p>
@@ -11082,28 +10955,10 @@
               <a:t>P</a:t>
             </a:r>
             <a:r>
-              <a:rPr lang="en-GB" sz="1600" b="1" dirty="0" smtClean="0">
-                <a:latin typeface="Calibri" pitchFamily="34" charset="0"/>
-              </a:rPr>
-              <a:t>ayload</a:t>
-            </a:r>
-            <a:r>
               <a:rPr lang="en-GB" sz="1600" b="1" dirty="0">
                 <a:latin typeface="Calibri" pitchFamily="34" charset="0"/>
               </a:rPr>
-              <a:t>:</a:t>
-            </a:r>
-            <a:r>
-              <a:rPr lang="en-GB" sz="1600" b="1" dirty="0" smtClean="0">
-                <a:latin typeface="Calibri" pitchFamily="34" charset="0"/>
-              </a:rPr>
-              <a:t> Application </a:t>
-            </a:r>
-            <a:r>
-              <a:rPr lang="en-GB" sz="1600" b="1" dirty="0">
-                <a:latin typeface="Calibri" pitchFamily="34" charset="0"/>
-              </a:rPr>
-              <a:t>data</a:t>
+              <a:t>ayload: Application data</a:t>
             </a:r>
           </a:p>
           <a:p>
@@ -11279,14 +11134,11 @@
               <a:t>S</a:t>
             </a:r>
             <a:r>
-              <a:rPr lang="en-GB" sz="1600" b="1" dirty="0" smtClean="0">
+              <a:rPr lang="en-GB" sz="1600" b="1" dirty="0">
                 <a:latin typeface="Calibri" pitchFamily="34" charset="0"/>
               </a:rPr>
               <a:t>ize</a:t>
             </a:r>
-            <a:endParaRPr lang="en-GB" sz="1600" b="1" dirty="0">
-              <a:latin typeface="Calibri" pitchFamily="34" charset="0"/>
-            </a:endParaRPr>
           </a:p>
         </p:txBody>
       </p:sp>
@@ -11429,16 +11281,10 @@
               </a:tabLst>
             </a:pPr>
             <a:r>
-              <a:rPr lang="en-GB" sz="1600" b="1" dirty="0" smtClean="0">
-                <a:latin typeface="Calibri" pitchFamily="34" charset="0"/>
-              </a:rPr>
-              <a:t>(</a:t>
-            </a:r>
-            <a:r>
               <a:rPr lang="en-GB" sz="1600" b="1" dirty="0">
                 <a:latin typeface="Calibri" pitchFamily="34" charset="0"/>
               </a:rPr>
-              <a:t>footer)</a:t>
+              <a:t>(footer)</a:t>
             </a:r>
           </a:p>
         </p:txBody>
@@ -11577,11 +11423,11 @@
   <p:clrMapOvr>
     <a:masterClrMapping/>
   </p:clrMapOvr>
-  <p:transition xmlns:p14="http://schemas.microsoft.com/office/powerpoint/2010/main" spd="med"/>
+  <p:transition spd="med"/>
   <p:timing>
     <p:tnLst>
       <p:par>
-        <p:cTn xmlns:p14="http://schemas.microsoft.com/office/powerpoint/2010/main" id="1" dur="indefinite" restart="never" nodeType="tmRoot">
+        <p:cTn id="1" dur="indefinite" restart="never" nodeType="tmRoot">
           <p:childTnLst>
             <p:seq concurrent="1" nextAc="seek">
               <p:cTn id="2" dur="indefinite" nodeType="mainSeq">
@@ -11972,10 +11818,9 @@
           <a:lstStyle/>
           <a:p>
             <a:r>
-              <a:rPr lang="en-US" dirty="0" smtClean="0"/>
+              <a:rPr lang="en-US" dirty="0"/>
               <a:t>Style for Code</a:t>
             </a:r>
-            <a:endParaRPr lang="en-US" dirty="0"/>
           </a:p>
         </p:txBody>
       </p:sp>
@@ -12378,10 +12223,9 @@
           <a:lstStyle/>
           <a:p>
             <a:r>
-              <a:rPr lang="en-US" dirty="0" smtClean="0"/>
+              <a:rPr lang="en-US" dirty="0"/>
               <a:t>Style for Code and Alternative Code</a:t>
             </a:r>
-            <a:endParaRPr lang="en-US" dirty="0"/>
           </a:p>
         </p:txBody>
       </p:sp>
@@ -12897,10 +12741,9 @@
           <a:lstStyle/>
           <a:p>
             <a:r>
-              <a:rPr lang="en-US" dirty="0" smtClean="0"/>
+              <a:rPr lang="en-US" dirty="0"/>
               <a:t>Style for Assembly Code: Version I</a:t>
             </a:r>
-            <a:endParaRPr lang="en-US" dirty="0"/>
           </a:p>
         </p:txBody>
       </p:sp>
@@ -12957,34 +12800,28 @@
               <a:t> </a:t>
             </a:r>
             <a:r>
-              <a:rPr lang="en-US" sz="1800" dirty="0" err="1" smtClean="0">
+              <a:rPr lang="en-US" sz="1800" dirty="0" err="1">
                 <a:latin typeface="Courier New" pitchFamily="49" charset="0"/>
               </a:rPr>
               <a:t>absdiff</a:t>
-            </a:r>
-            <a:r>
-              <a:rPr lang="en-US" sz="1800" dirty="0" smtClean="0">
-                <a:latin typeface="Courier New" pitchFamily="49" charset="0"/>
-              </a:rPr>
-              <a:t>(</a:t>
-            </a:r>
-            <a:r>
-              <a:rPr lang="en-US" sz="1800" dirty="0" err="1" smtClean="0">
-                <a:latin typeface="Courier New" pitchFamily="49" charset="0"/>
-              </a:rPr>
-              <a:t>int</a:t>
-            </a:r>
-            <a:r>
-              <a:rPr lang="en-US" sz="1800" dirty="0" smtClean="0">
-                <a:latin typeface="Courier New" pitchFamily="49" charset="0"/>
-              </a:rPr>
-              <a:t> </a:t>
             </a:r>
             <a:r>
               <a:rPr lang="en-US" sz="1800" dirty="0">
                 <a:latin typeface="Courier New" pitchFamily="49" charset="0"/>
               </a:rPr>
-              <a:t>x, </a:t>
+              <a:t>(</a:t>
+            </a:r>
+            <a:r>
+              <a:rPr lang="en-US" sz="1800" dirty="0" err="1">
+                <a:latin typeface="Courier New" pitchFamily="49" charset="0"/>
+              </a:rPr>
+              <a:t>int</a:t>
+            </a:r>
+            <a:r>
+              <a:rPr lang="en-US" sz="1800" dirty="0">
+                <a:latin typeface="Courier New" pitchFamily="49" charset="0"/>
+              </a:rPr>
+              <a:t> x, </a:t>
             </a:r>
             <a:r>
               <a:rPr lang="en-US" sz="1800" dirty="0" err="1">
@@ -13594,14 +13431,11 @@
               </a:lnSpc>
             </a:pPr>
             <a:r>
-              <a:rPr lang="en-US" sz="1800" dirty="0" smtClean="0">
+              <a:rPr lang="en-US" sz="1800" dirty="0">
                 <a:latin typeface="Calibri" pitchFamily="34" charset="0"/>
               </a:rPr>
               <a:t>Setup</a:t>
             </a:r>
-            <a:endParaRPr lang="en-US" sz="1800" dirty="0">
-              <a:latin typeface="Calibri" pitchFamily="34" charset="0"/>
-            </a:endParaRPr>
           </a:p>
         </p:txBody>
       </p:sp>
@@ -13816,10 +13650,9 @@
           <a:lstStyle/>
           <a:p>
             <a:r>
-              <a:rPr lang="en-US" dirty="0" smtClean="0"/>
+              <a:rPr lang="en-US" dirty="0"/>
               <a:t>Style for Assembly Code: Version II</a:t>
             </a:r>
-            <a:endParaRPr lang="en-US" dirty="0"/>
           </a:p>
         </p:txBody>
       </p:sp>
@@ -14169,7 +14002,7 @@
   <p:timing>
     <p:tnLst>
       <p:par>
-        <p:cTn xmlns:p14="http://schemas.microsoft.com/office/powerpoint/2010/main" id="1" dur="indefinite" restart="never" nodeType="tmRoot">
+        <p:cTn id="1" dur="indefinite" restart="never" nodeType="tmRoot">
           <p:childTnLst>
             <p:seq concurrent="1" nextAc="seek">
               <p:cTn id="2" dur="indefinite" nodeType="mainSeq">
